--- a/미니프로젝트계획서.pptx
+++ b/미니프로젝트계획서.pptx
@@ -256,8 +256,11 @@
     </a:lvl9pPr>
   </p:defaultTextStyle>
   <p:extLst>
+    <p:ext uri="{EFAFB233-063F-42B5-8137-9DF3F51BA10A}">
+      <p15:sldGuideLst xmlns:p15="http://schemas.microsoft.com/office/powerpoint/2012/main"/>
+    </p:ext>
     <p:ext uri="GoogleSlidesCustomDataVersion2">
-      <go:slidesCustomData xmlns:go="http://customooxmlschemas.google.com/" xmlns:ahyp="http://schemas.microsoft.com/office/drawing/2018/hyperlinkcolor" xmlns:p15="http://schemas.microsoft.com/office/powerpoint/2012/main" xmlns:p14="http://schemas.microsoft.com/office/powerpoint/2010/main" xmlns:com="http://schemas.openxmlformats.org/drawingml/2006/compatibility" xmlns:pvml="urn:schemas-microsoft-com:office:powerpoint" xmlns:v="urn:schemas-microsoft-com:vml" xmlns:o="urn:schemas-microsoft-com:office:office" xmlns:dgm="http://schemas.openxmlformats.org/drawingml/2006/diagram" xmlns:c="http://schemas.openxmlformats.org/drawingml/2006/chart" xmlns:mv="urn:schemas-microsoft-com:mac:vml" xmlns:mc="http://schemas.openxmlformats.org/markup-compatibility/2006" xmlns="" r:id="rId20" roundtripDataSignature="AMtx7miDCxK2ZXgnnNZVs5wxL2S5y01F7A=="/>
+      <go:slidesCustomData xmlns="" xmlns:mc="http://schemas.openxmlformats.org/markup-compatibility/2006" xmlns:mv="urn:schemas-microsoft-com:mac:vml" xmlns:c="http://schemas.openxmlformats.org/drawingml/2006/chart" xmlns:dgm="http://schemas.openxmlformats.org/drawingml/2006/diagram" xmlns:o="urn:schemas-microsoft-com:office:office" xmlns:v="urn:schemas-microsoft-com:vml" xmlns:pvml="urn:schemas-microsoft-com:office:powerpoint" xmlns:com="http://schemas.openxmlformats.org/drawingml/2006/compatibility" xmlns:p14="http://schemas.microsoft.com/office/powerpoint/2010/main" xmlns:p15="http://schemas.microsoft.com/office/powerpoint/2012/main" xmlns:ahyp="http://schemas.microsoft.com/office/drawing/2018/hyperlinkcolor" xmlns:go="http://customooxmlschemas.google.com/" r:id="rId20" roundtripDataSignature="AMtx7miDCxK2ZXgnnNZVs5wxL2S5y01F7A=="/>
     </p:ext>
   </p:extLst>
 </p:presentation>
@@ -11159,6 +11162,36 @@
           </a:p>
         </p:txBody>
       </p:sp>
+      <p:pic>
+        <p:nvPicPr>
+          <p:cNvPr id="3" name="그림 2">
+            <a:extLst>
+              <a:ext uri="{FF2B5EF4-FFF2-40B4-BE49-F238E27FC236}">
+                <a16:creationId xmlns:a16="http://schemas.microsoft.com/office/drawing/2014/main" id="{AB9AEA4B-B527-4E8D-BCE7-84E3D175E33C}"/>
+              </a:ext>
+            </a:extLst>
+          </p:cNvPr>
+          <p:cNvPicPr>
+            <a:picLocks noChangeAspect="1"/>
+          </p:cNvPicPr>
+          <p:nvPr/>
+        </p:nvPicPr>
+        <p:blipFill>
+          <a:blip r:embed="rId3"/>
+          <a:stretch>
+            <a:fillRect/>
+          </a:stretch>
+        </p:blipFill>
+        <p:spPr>
+          <a:xfrm>
+            <a:off x="3210857" y="0"/>
+            <a:ext cx="5770286" cy="6858000"/>
+          </a:xfrm>
+          <a:prstGeom prst="rect">
+            <a:avLst/>
+          </a:prstGeom>
+        </p:spPr>
+      </p:pic>
     </p:spTree>
   </p:cSld>
   <p:clrMapOvr>

--- a/미니프로젝트계획서.pptx
+++ b/미니프로젝트계획서.pptx
@@ -260,7 +260,7 @@
       <p15:sldGuideLst xmlns:p15="http://schemas.microsoft.com/office/powerpoint/2012/main"/>
     </p:ext>
     <p:ext uri="GoogleSlidesCustomDataVersion2">
-      <go:slidesCustomData xmlns="" xmlns:mc="http://schemas.openxmlformats.org/markup-compatibility/2006" xmlns:mv="urn:schemas-microsoft-com:mac:vml" xmlns:c="http://schemas.openxmlformats.org/drawingml/2006/chart" xmlns:dgm="http://schemas.openxmlformats.org/drawingml/2006/diagram" xmlns:o="urn:schemas-microsoft-com:office:office" xmlns:v="urn:schemas-microsoft-com:vml" xmlns:pvml="urn:schemas-microsoft-com:office:powerpoint" xmlns:com="http://schemas.openxmlformats.org/drawingml/2006/compatibility" xmlns:p14="http://schemas.microsoft.com/office/powerpoint/2010/main" xmlns:p15="http://schemas.microsoft.com/office/powerpoint/2012/main" xmlns:ahyp="http://schemas.microsoft.com/office/drawing/2018/hyperlinkcolor" xmlns:go="http://customooxmlschemas.google.com/" r:id="rId20" roundtripDataSignature="AMtx7miDCxK2ZXgnnNZVs5wxL2S5y01F7A=="/>
+      <go:slidesCustomData xmlns:go="http://customooxmlschemas.google.com/" xmlns:ahyp="http://schemas.microsoft.com/office/drawing/2018/hyperlinkcolor" xmlns:p15="http://schemas.microsoft.com/office/powerpoint/2012/main" xmlns:p14="http://schemas.microsoft.com/office/powerpoint/2010/main" xmlns:com="http://schemas.openxmlformats.org/drawingml/2006/compatibility" xmlns:pvml="urn:schemas-microsoft-com:office:powerpoint" xmlns:v="urn:schemas-microsoft-com:vml" xmlns:o="urn:schemas-microsoft-com:office:office" xmlns:dgm="http://schemas.openxmlformats.org/drawingml/2006/diagram" xmlns:c="http://schemas.openxmlformats.org/drawingml/2006/chart" xmlns:mv="urn:schemas-microsoft-com:mac:vml" xmlns:mc="http://schemas.openxmlformats.org/markup-compatibility/2006" xmlns="" r:id="rId20" roundtripDataSignature="AMtx7miDCxK2ZXgnnNZVs5wxL2S5y01F7A=="/>
     </p:ext>
   </p:extLst>
 </p:presentation>
@@ -11164,10 +11164,10 @@
       </p:sp>
       <p:pic>
         <p:nvPicPr>
-          <p:cNvPr id="3" name="그림 2">
+          <p:cNvPr id="4" name="그림 3">
             <a:extLst>
               <a:ext uri="{FF2B5EF4-FFF2-40B4-BE49-F238E27FC236}">
-                <a16:creationId xmlns:a16="http://schemas.microsoft.com/office/drawing/2014/main" id="{AB9AEA4B-B527-4E8D-BCE7-84E3D175E33C}"/>
+                <a16:creationId xmlns:a16="http://schemas.microsoft.com/office/drawing/2014/main" id="{4A093088-1119-4F6C-B3F1-2ACE301C0DA8}"/>
               </a:ext>
             </a:extLst>
           </p:cNvPr>
@@ -11184,8 +11184,8 @@
         </p:blipFill>
         <p:spPr>
           <a:xfrm>
-            <a:off x="3210857" y="0"/>
-            <a:ext cx="5770286" cy="6858000"/>
+            <a:off x="2991665" y="0"/>
+            <a:ext cx="6208669" cy="6858000"/>
           </a:xfrm>
           <a:prstGeom prst="rect">
             <a:avLst/>

--- a/미니프로젝트계획서.pptx
+++ b/미니프로젝트계획서.pptx
@@ -260,7 +260,7 @@
       <p15:sldGuideLst xmlns:p15="http://schemas.microsoft.com/office/powerpoint/2012/main"/>
     </p:ext>
     <p:ext uri="GoogleSlidesCustomDataVersion2">
-      <go:slidesCustomData xmlns:go="http://customooxmlschemas.google.com/" xmlns:ahyp="http://schemas.microsoft.com/office/drawing/2018/hyperlinkcolor" xmlns:p15="http://schemas.microsoft.com/office/powerpoint/2012/main" xmlns:p14="http://schemas.microsoft.com/office/powerpoint/2010/main" xmlns:com="http://schemas.openxmlformats.org/drawingml/2006/compatibility" xmlns:pvml="urn:schemas-microsoft-com:office:powerpoint" xmlns:v="urn:schemas-microsoft-com:vml" xmlns:o="urn:schemas-microsoft-com:office:office" xmlns:dgm="http://schemas.openxmlformats.org/drawingml/2006/diagram" xmlns:c="http://schemas.openxmlformats.org/drawingml/2006/chart" xmlns:mv="urn:schemas-microsoft-com:mac:vml" xmlns:mc="http://schemas.openxmlformats.org/markup-compatibility/2006" xmlns="" r:id="rId20" roundtripDataSignature="AMtx7miDCxK2ZXgnnNZVs5wxL2S5y01F7A=="/>
+      <go:slidesCustomData xmlns="" xmlns:mc="http://schemas.openxmlformats.org/markup-compatibility/2006" xmlns:mv="urn:schemas-microsoft-com:mac:vml" xmlns:c="http://schemas.openxmlformats.org/drawingml/2006/chart" xmlns:dgm="http://schemas.openxmlformats.org/drawingml/2006/diagram" xmlns:o="urn:schemas-microsoft-com:office:office" xmlns:v="urn:schemas-microsoft-com:vml" xmlns:pvml="urn:schemas-microsoft-com:office:powerpoint" xmlns:com="http://schemas.openxmlformats.org/drawingml/2006/compatibility" xmlns:p14="http://schemas.microsoft.com/office/powerpoint/2010/main" xmlns:p15="http://schemas.microsoft.com/office/powerpoint/2012/main" xmlns:ahyp="http://schemas.microsoft.com/office/drawing/2018/hyperlinkcolor" xmlns:go="http://customooxmlschemas.google.com/" r:id="rId20" roundtripDataSignature="AMtx7miDCxK2ZXgnnNZVs5wxL2S5y01F7A=="/>
     </p:ext>
   </p:extLst>
 </p:presentation>
@@ -11102,63 +11102,10 @@
               <a:buNone/>
             </a:pPr>
             <a:r>
-              <a:rPr lang="en-US"/>
+              <a:rPr lang="en-US" dirty="0"/>
               <a:t>ERD</a:t>
             </a:r>
-            <a:endParaRPr/>
-          </a:p>
-        </p:txBody>
-      </p:sp>
-      <p:sp>
-        <p:nvSpPr>
-          <p:cNvPr id="128" name="Google Shape;128;p12"/>
-          <p:cNvSpPr txBox="1">
-            <a:spLocks noGrp="1"/>
-          </p:cNvSpPr>
-          <p:nvPr>
-            <p:ph type="body" idx="1"/>
-          </p:nvPr>
-        </p:nvSpPr>
-        <p:spPr>
-          <a:xfrm>
-            <a:off x="838200" y="1825625"/>
-            <a:ext cx="10515600" cy="4351338"/>
-          </a:xfrm>
-          <a:prstGeom prst="rect">
-            <a:avLst/>
-          </a:prstGeom>
-          <a:noFill/>
-          <a:ln>
-            <a:noFill/>
-          </a:ln>
-        </p:spPr>
-        <p:txBody>
-          <a:bodyPr spcFirstLastPara="1" wrap="square" lIns="91425" tIns="45700" rIns="91425" bIns="45700" anchor="t" anchorCtr="0">
-            <a:normAutofit/>
-          </a:bodyPr>
-          <a:lstStyle/>
-          <a:p>
-            <a:pPr marL="228600" lvl="0" indent="-228600" algn="l" rtl="0">
-              <a:lnSpc>
-                <a:spcPct val="150000"/>
-              </a:lnSpc>
-              <a:spcBef>
-                <a:spcPts val="0"/>
-              </a:spcBef>
-              <a:spcAft>
-                <a:spcPts val="0"/>
-              </a:spcAft>
-              <a:buClr>
-                <a:schemeClr val="dk1"/>
-              </a:buClr>
-              <a:buSzPts val="2800"/>
-              <a:buChar char="•"/>
-            </a:pPr>
-            <a:r>
-              <a:rPr lang="en-US"/>
-              <a:t>그림</a:t>
-            </a:r>
-            <a:endParaRPr/>
+            <a:endParaRPr dirty="0"/>
           </a:p>
         </p:txBody>
       </p:sp>
@@ -11184,8 +11131,8 @@
         </p:blipFill>
         <p:spPr>
           <a:xfrm>
-            <a:off x="2991665" y="0"/>
-            <a:ext cx="6208669" cy="6858000"/>
+            <a:off x="2219417" y="146481"/>
+            <a:ext cx="8966447" cy="6565037"/>
           </a:xfrm>
           <a:prstGeom prst="rect">
             <a:avLst/>

--- a/미니프로젝트계획서.pptx
+++ b/미니프로젝트계획서.pptx
@@ -268,7 +268,7 @@
       <p15:sldGuideLst xmlns:p15="http://schemas.microsoft.com/office/powerpoint/2012/main"/>
     </p:ext>
     <p:ext uri="GoogleSlidesCustomDataVersion2">
-      <go:slidesCustomData xmlns:go="http://customooxmlschemas.google.com/" xmlns:ahyp="http://schemas.microsoft.com/office/drawing/2018/hyperlinkcolor" xmlns:p15="http://schemas.microsoft.com/office/powerpoint/2012/main" xmlns:p14="http://schemas.microsoft.com/office/powerpoint/2010/main" xmlns:com="http://schemas.openxmlformats.org/drawingml/2006/compatibility" xmlns:pvml="urn:schemas-microsoft-com:office:powerpoint" xmlns:v="urn:schemas-microsoft-com:vml" xmlns:o="urn:schemas-microsoft-com:office:office" xmlns:dgm="http://schemas.openxmlformats.org/drawingml/2006/diagram" xmlns:c="http://schemas.openxmlformats.org/drawingml/2006/chart" xmlns:mv="urn:schemas-microsoft-com:mac:vml" xmlns:mc="http://schemas.openxmlformats.org/markup-compatibility/2006" xmlns="" r:id="rId26" roundtripDataSignature="AMtx7miDCxK2ZXgnnNZVs5wxL2S5y01F7A=="/>
+      <go:slidesCustomData xmlns="" xmlns:mc="http://schemas.openxmlformats.org/markup-compatibility/2006" xmlns:mv="urn:schemas-microsoft-com:mac:vml" xmlns:c="http://schemas.openxmlformats.org/drawingml/2006/chart" xmlns:dgm="http://schemas.openxmlformats.org/drawingml/2006/diagram" xmlns:o="urn:schemas-microsoft-com:office:office" xmlns:v="urn:schemas-microsoft-com:vml" xmlns:pvml="urn:schemas-microsoft-com:office:powerpoint" xmlns:com="http://schemas.openxmlformats.org/drawingml/2006/compatibility" xmlns:p14="http://schemas.microsoft.com/office/powerpoint/2010/main" xmlns:p15="http://schemas.microsoft.com/office/powerpoint/2012/main" xmlns:ahyp="http://schemas.microsoft.com/office/drawing/2018/hyperlinkcolor" xmlns:go="http://customooxmlschemas.google.com/" r:id="rId26" roundtripDataSignature="AMtx7miDCxK2ZXgnnNZVs5wxL2S5y01F7A=="/>
     </p:ext>
   </p:extLst>
 </p:presentation>
@@ -28086,10 +28086,10 @@
       </p:sp>
       <p:pic>
         <p:nvPicPr>
-          <p:cNvPr id="4" name="그림 3">
+          <p:cNvPr id="3" name="그림 2">
             <a:extLst>
               <a:ext uri="{FF2B5EF4-FFF2-40B4-BE49-F238E27FC236}">
-                <a16:creationId xmlns:a16="http://schemas.microsoft.com/office/drawing/2014/main" id="{4A093088-1119-4F6C-B3F1-2ACE301C0DA8}"/>
+                <a16:creationId xmlns:a16="http://schemas.microsoft.com/office/drawing/2014/main" id="{00C039C1-2C2C-4036-917C-7953F257488F}"/>
               </a:ext>
             </a:extLst>
           </p:cNvPr>
@@ -28106,8 +28106,8 @@
         </p:blipFill>
         <p:spPr>
           <a:xfrm>
-            <a:off x="2219417" y="146481"/>
-            <a:ext cx="8966447" cy="6565037"/>
+            <a:off x="2189313" y="1178787"/>
+            <a:ext cx="7813374" cy="5519413"/>
           </a:xfrm>
           <a:prstGeom prst="rect">
             <a:avLst/>

--- a/미니프로젝트계획서.pptx
+++ b/미니프로젝트계획서.pptx
@@ -5,7 +5,7 @@
     <p:sldMasterId id="2147483648" r:id="rId1"/>
   </p:sldMasterIdLst>
   <p:notesMasterIdLst>
-    <p:notesMasterId r:id="rId25"/>
+    <p:notesMasterId r:id="rId37"/>
   </p:notesMasterIdLst>
   <p:sldIdLst>
     <p:sldId id="256" r:id="rId2"/>
@@ -31,6 +31,18 @@
     <p:sldId id="267" r:id="rId22"/>
     <p:sldId id="268" r:id="rId23"/>
     <p:sldId id="269" r:id="rId24"/>
+    <p:sldId id="279" r:id="rId25"/>
+    <p:sldId id="280" r:id="rId26"/>
+    <p:sldId id="281" r:id="rId27"/>
+    <p:sldId id="282" r:id="rId28"/>
+    <p:sldId id="283" r:id="rId29"/>
+    <p:sldId id="284" r:id="rId30"/>
+    <p:sldId id="285" r:id="rId31"/>
+    <p:sldId id="286" r:id="rId32"/>
+    <p:sldId id="287" r:id="rId33"/>
+    <p:sldId id="288" r:id="rId34"/>
+    <p:sldId id="289" r:id="rId35"/>
+    <p:sldId id="290" r:id="rId36"/>
   </p:sldIdLst>
   <p:sldSz cx="12192000" cy="6858000"/>
   <p:notesSz cx="6858000" cy="9144000"/>
@@ -268,7 +280,7 @@
       <p15:sldGuideLst xmlns:p15="http://schemas.microsoft.com/office/powerpoint/2012/main"/>
     </p:ext>
     <p:ext uri="GoogleSlidesCustomDataVersion2">
-      <go:slidesCustomData xmlns="" xmlns:mc="http://schemas.openxmlformats.org/markup-compatibility/2006" xmlns:mv="urn:schemas-microsoft-com:mac:vml" xmlns:c="http://schemas.openxmlformats.org/drawingml/2006/chart" xmlns:dgm="http://schemas.openxmlformats.org/drawingml/2006/diagram" xmlns:o="urn:schemas-microsoft-com:office:office" xmlns:v="urn:schemas-microsoft-com:vml" xmlns:pvml="urn:schemas-microsoft-com:office:powerpoint" xmlns:com="http://schemas.openxmlformats.org/drawingml/2006/compatibility" xmlns:p14="http://schemas.microsoft.com/office/powerpoint/2010/main" xmlns:p15="http://schemas.microsoft.com/office/powerpoint/2012/main" xmlns:ahyp="http://schemas.microsoft.com/office/drawing/2018/hyperlinkcolor" xmlns:go="http://customooxmlschemas.google.com/" r:id="rId26" roundtripDataSignature="AMtx7miDCxK2ZXgnnNZVs5wxL2S5y01F7A=="/>
+      <go:slidesCustomData xmlns:go="http://customooxmlschemas.google.com/" xmlns:ahyp="http://schemas.microsoft.com/office/drawing/2018/hyperlinkcolor" xmlns:p15="http://schemas.microsoft.com/office/powerpoint/2012/main" xmlns:p14="http://schemas.microsoft.com/office/powerpoint/2010/main" xmlns:com="http://schemas.openxmlformats.org/drawingml/2006/compatibility" xmlns:pvml="urn:schemas-microsoft-com:office:powerpoint" xmlns:v="urn:schemas-microsoft-com:vml" xmlns:o="urn:schemas-microsoft-com:office:office" xmlns:dgm="http://schemas.openxmlformats.org/drawingml/2006/diagram" xmlns:c="http://schemas.openxmlformats.org/drawingml/2006/chart" xmlns:mv="urn:schemas-microsoft-com:mac:vml" xmlns:mc="http://schemas.openxmlformats.org/markup-compatibility/2006" xmlns="" r:id="rId38" roundtripDataSignature="AMtx7miDCxK2ZXgnnNZVs5wxL2S5y01F7A=="/>
     </p:ext>
   </p:extLst>
 </p:presentation>
@@ -3171,6 +3183,660 @@
 </p:notes>
 </file>
 
+<file path=ppt/notesSlides/notesSlide24.xml><?xml version="1.0" encoding="utf-8"?>
+<p:notes xmlns:a="http://schemas.openxmlformats.org/drawingml/2006/main" xmlns:r="http://schemas.openxmlformats.org/officeDocument/2006/relationships" xmlns:p="http://schemas.openxmlformats.org/presentationml/2006/main" showMasterSp="0" showMasterPhAnim="0">
+  <p:cSld>
+    <p:spTree>
+      <p:nvGrpSpPr>
+        <p:cNvPr id="1" name="Shape 129"/>
+        <p:cNvGrpSpPr/>
+        <p:nvPr/>
+      </p:nvGrpSpPr>
+      <p:grpSpPr>
+        <a:xfrm>
+          <a:off x="0" y="0"/>
+          <a:ext cx="0" cy="0"/>
+          <a:chOff x="0" y="0"/>
+          <a:chExt cx="0" cy="0"/>
+        </a:xfrm>
+      </p:grpSpPr>
+      <p:sp>
+        <p:nvSpPr>
+          <p:cNvPr id="130" name="Google Shape;130;p13:notes"/>
+          <p:cNvSpPr txBox="1">
+            <a:spLocks noGrp="1"/>
+          </p:cNvSpPr>
+          <p:nvPr>
+            <p:ph type="body" idx="1"/>
+          </p:nvPr>
+        </p:nvSpPr>
+        <p:spPr>
+          <a:xfrm>
+            <a:off x="685800" y="4400550"/>
+            <a:ext cx="5486400" cy="3600450"/>
+          </a:xfrm>
+          <a:prstGeom prst="rect">
+            <a:avLst/>
+          </a:prstGeom>
+        </p:spPr>
+        <p:txBody>
+          <a:bodyPr spcFirstLastPara="1" wrap="square" lIns="91425" tIns="45700" rIns="91425" bIns="45700" anchor="t" anchorCtr="0">
+            <a:noAutofit/>
+          </a:bodyPr>
+          <a:lstStyle/>
+          <a:p>
+            <a:pPr marL="0" lvl="0" indent="0" algn="l" rtl="0">
+              <a:spcBef>
+                <a:spcPts val="0"/>
+              </a:spcBef>
+              <a:spcAft>
+                <a:spcPts val="0"/>
+              </a:spcAft>
+              <a:buNone/>
+            </a:pPr>
+            <a:endParaRPr/>
+          </a:p>
+        </p:txBody>
+      </p:sp>
+      <p:sp>
+        <p:nvSpPr>
+          <p:cNvPr id="131" name="Google Shape;131;p13:notes"/>
+          <p:cNvSpPr>
+            <a:spLocks noGrp="1" noRot="1" noChangeAspect="1"/>
+          </p:cNvSpPr>
+          <p:nvPr>
+            <p:ph type="sldImg" idx="2"/>
+          </p:nvPr>
+        </p:nvSpPr>
+        <p:spPr>
+          <a:xfrm>
+            <a:off x="685800" y="1143000"/>
+            <a:ext cx="5486400" cy="3086100"/>
+          </a:xfrm>
+          <a:custGeom>
+            <a:avLst/>
+            <a:gdLst/>
+            <a:ahLst/>
+            <a:cxnLst/>
+            <a:rect l="l" t="t" r="r" b="b"/>
+            <a:pathLst>
+              <a:path w="120000" h="120000" extrusionOk="0">
+                <a:moveTo>
+                  <a:pt x="0" y="0"/>
+                </a:moveTo>
+                <a:lnTo>
+                  <a:pt x="120000" y="0"/>
+                </a:lnTo>
+                <a:lnTo>
+                  <a:pt x="120000" y="120000"/>
+                </a:lnTo>
+                <a:lnTo>
+                  <a:pt x="0" y="120000"/>
+                </a:lnTo>
+                <a:close/>
+              </a:path>
+            </a:pathLst>
+          </a:custGeom>
+        </p:spPr>
+      </p:sp>
+    </p:spTree>
+    <p:extLst>
+      <p:ext uri="{BB962C8B-B14F-4D97-AF65-F5344CB8AC3E}">
+        <p14:creationId xmlns:p14="http://schemas.microsoft.com/office/powerpoint/2010/main" val="147826383"/>
+      </p:ext>
+    </p:extLst>
+  </p:cSld>
+  <p:clrMapOvr>
+    <a:masterClrMapping/>
+  </p:clrMapOvr>
+</p:notes>
+</file>
+
+<file path=ppt/notesSlides/notesSlide25.xml><?xml version="1.0" encoding="utf-8"?>
+<p:notes xmlns:a="http://schemas.openxmlformats.org/drawingml/2006/main" xmlns:r="http://schemas.openxmlformats.org/officeDocument/2006/relationships" xmlns:p="http://schemas.openxmlformats.org/presentationml/2006/main" showMasterSp="0" showMasterPhAnim="0">
+  <p:cSld>
+    <p:spTree>
+      <p:nvGrpSpPr>
+        <p:cNvPr id="1" name="Shape 129"/>
+        <p:cNvGrpSpPr/>
+        <p:nvPr/>
+      </p:nvGrpSpPr>
+      <p:grpSpPr>
+        <a:xfrm>
+          <a:off x="0" y="0"/>
+          <a:ext cx="0" cy="0"/>
+          <a:chOff x="0" y="0"/>
+          <a:chExt cx="0" cy="0"/>
+        </a:xfrm>
+      </p:grpSpPr>
+      <p:sp>
+        <p:nvSpPr>
+          <p:cNvPr id="130" name="Google Shape;130;p13:notes"/>
+          <p:cNvSpPr txBox="1">
+            <a:spLocks noGrp="1"/>
+          </p:cNvSpPr>
+          <p:nvPr>
+            <p:ph type="body" idx="1"/>
+          </p:nvPr>
+        </p:nvSpPr>
+        <p:spPr>
+          <a:xfrm>
+            <a:off x="685800" y="4400550"/>
+            <a:ext cx="5486400" cy="3600450"/>
+          </a:xfrm>
+          <a:prstGeom prst="rect">
+            <a:avLst/>
+          </a:prstGeom>
+        </p:spPr>
+        <p:txBody>
+          <a:bodyPr spcFirstLastPara="1" wrap="square" lIns="91425" tIns="45700" rIns="91425" bIns="45700" anchor="t" anchorCtr="0">
+            <a:noAutofit/>
+          </a:bodyPr>
+          <a:lstStyle/>
+          <a:p>
+            <a:pPr marL="0" lvl="0" indent="0" algn="l" rtl="0">
+              <a:spcBef>
+                <a:spcPts val="0"/>
+              </a:spcBef>
+              <a:spcAft>
+                <a:spcPts val="0"/>
+              </a:spcAft>
+              <a:buNone/>
+            </a:pPr>
+            <a:endParaRPr/>
+          </a:p>
+        </p:txBody>
+      </p:sp>
+      <p:sp>
+        <p:nvSpPr>
+          <p:cNvPr id="131" name="Google Shape;131;p13:notes"/>
+          <p:cNvSpPr>
+            <a:spLocks noGrp="1" noRot="1" noChangeAspect="1"/>
+          </p:cNvSpPr>
+          <p:nvPr>
+            <p:ph type="sldImg" idx="2"/>
+          </p:nvPr>
+        </p:nvSpPr>
+        <p:spPr>
+          <a:xfrm>
+            <a:off x="685800" y="1143000"/>
+            <a:ext cx="5486400" cy="3086100"/>
+          </a:xfrm>
+          <a:custGeom>
+            <a:avLst/>
+            <a:gdLst/>
+            <a:ahLst/>
+            <a:cxnLst/>
+            <a:rect l="l" t="t" r="r" b="b"/>
+            <a:pathLst>
+              <a:path w="120000" h="120000" extrusionOk="0">
+                <a:moveTo>
+                  <a:pt x="0" y="0"/>
+                </a:moveTo>
+                <a:lnTo>
+                  <a:pt x="120000" y="0"/>
+                </a:lnTo>
+                <a:lnTo>
+                  <a:pt x="120000" y="120000"/>
+                </a:lnTo>
+                <a:lnTo>
+                  <a:pt x="0" y="120000"/>
+                </a:lnTo>
+                <a:close/>
+              </a:path>
+            </a:pathLst>
+          </a:custGeom>
+        </p:spPr>
+      </p:sp>
+    </p:spTree>
+    <p:extLst>
+      <p:ext uri="{BB962C8B-B14F-4D97-AF65-F5344CB8AC3E}">
+        <p14:creationId xmlns:p14="http://schemas.microsoft.com/office/powerpoint/2010/main" val="3879250780"/>
+      </p:ext>
+    </p:extLst>
+  </p:cSld>
+  <p:clrMapOvr>
+    <a:masterClrMapping/>
+  </p:clrMapOvr>
+</p:notes>
+</file>
+
+<file path=ppt/notesSlides/notesSlide26.xml><?xml version="1.0" encoding="utf-8"?>
+<p:notes xmlns:a="http://schemas.openxmlformats.org/drawingml/2006/main" xmlns:r="http://schemas.openxmlformats.org/officeDocument/2006/relationships" xmlns:p="http://schemas.openxmlformats.org/presentationml/2006/main" showMasterSp="0" showMasterPhAnim="0">
+  <p:cSld>
+    <p:spTree>
+      <p:nvGrpSpPr>
+        <p:cNvPr id="1" name="Shape 129"/>
+        <p:cNvGrpSpPr/>
+        <p:nvPr/>
+      </p:nvGrpSpPr>
+      <p:grpSpPr>
+        <a:xfrm>
+          <a:off x="0" y="0"/>
+          <a:ext cx="0" cy="0"/>
+          <a:chOff x="0" y="0"/>
+          <a:chExt cx="0" cy="0"/>
+        </a:xfrm>
+      </p:grpSpPr>
+      <p:sp>
+        <p:nvSpPr>
+          <p:cNvPr id="130" name="Google Shape;130;p13:notes"/>
+          <p:cNvSpPr txBox="1">
+            <a:spLocks noGrp="1"/>
+          </p:cNvSpPr>
+          <p:nvPr>
+            <p:ph type="body" idx="1"/>
+          </p:nvPr>
+        </p:nvSpPr>
+        <p:spPr>
+          <a:xfrm>
+            <a:off x="685800" y="4400550"/>
+            <a:ext cx="5486400" cy="3600450"/>
+          </a:xfrm>
+          <a:prstGeom prst="rect">
+            <a:avLst/>
+          </a:prstGeom>
+        </p:spPr>
+        <p:txBody>
+          <a:bodyPr spcFirstLastPara="1" wrap="square" lIns="91425" tIns="45700" rIns="91425" bIns="45700" anchor="t" anchorCtr="0">
+            <a:noAutofit/>
+          </a:bodyPr>
+          <a:lstStyle/>
+          <a:p>
+            <a:pPr marL="0" lvl="0" indent="0" algn="l" rtl="0">
+              <a:spcBef>
+                <a:spcPts val="0"/>
+              </a:spcBef>
+              <a:spcAft>
+                <a:spcPts val="0"/>
+              </a:spcAft>
+              <a:buNone/>
+            </a:pPr>
+            <a:endParaRPr/>
+          </a:p>
+        </p:txBody>
+      </p:sp>
+      <p:sp>
+        <p:nvSpPr>
+          <p:cNvPr id="131" name="Google Shape;131;p13:notes"/>
+          <p:cNvSpPr>
+            <a:spLocks noGrp="1" noRot="1" noChangeAspect="1"/>
+          </p:cNvSpPr>
+          <p:nvPr>
+            <p:ph type="sldImg" idx="2"/>
+          </p:nvPr>
+        </p:nvSpPr>
+        <p:spPr>
+          <a:xfrm>
+            <a:off x="685800" y="1143000"/>
+            <a:ext cx="5486400" cy="3086100"/>
+          </a:xfrm>
+          <a:custGeom>
+            <a:avLst/>
+            <a:gdLst/>
+            <a:ahLst/>
+            <a:cxnLst/>
+            <a:rect l="l" t="t" r="r" b="b"/>
+            <a:pathLst>
+              <a:path w="120000" h="120000" extrusionOk="0">
+                <a:moveTo>
+                  <a:pt x="0" y="0"/>
+                </a:moveTo>
+                <a:lnTo>
+                  <a:pt x="120000" y="0"/>
+                </a:lnTo>
+                <a:lnTo>
+                  <a:pt x="120000" y="120000"/>
+                </a:lnTo>
+                <a:lnTo>
+                  <a:pt x="0" y="120000"/>
+                </a:lnTo>
+                <a:close/>
+              </a:path>
+            </a:pathLst>
+          </a:custGeom>
+        </p:spPr>
+      </p:sp>
+    </p:spTree>
+    <p:extLst>
+      <p:ext uri="{BB962C8B-B14F-4D97-AF65-F5344CB8AC3E}">
+        <p14:creationId xmlns:p14="http://schemas.microsoft.com/office/powerpoint/2010/main" val="90456277"/>
+      </p:ext>
+    </p:extLst>
+  </p:cSld>
+  <p:clrMapOvr>
+    <a:masterClrMapping/>
+  </p:clrMapOvr>
+</p:notes>
+</file>
+
+<file path=ppt/notesSlides/notesSlide27.xml><?xml version="1.0" encoding="utf-8"?>
+<p:notes xmlns:a="http://schemas.openxmlformats.org/drawingml/2006/main" xmlns:r="http://schemas.openxmlformats.org/officeDocument/2006/relationships" xmlns:p="http://schemas.openxmlformats.org/presentationml/2006/main" showMasterSp="0" showMasterPhAnim="0">
+  <p:cSld>
+    <p:spTree>
+      <p:nvGrpSpPr>
+        <p:cNvPr id="1" name="Shape 129"/>
+        <p:cNvGrpSpPr/>
+        <p:nvPr/>
+      </p:nvGrpSpPr>
+      <p:grpSpPr>
+        <a:xfrm>
+          <a:off x="0" y="0"/>
+          <a:ext cx="0" cy="0"/>
+          <a:chOff x="0" y="0"/>
+          <a:chExt cx="0" cy="0"/>
+        </a:xfrm>
+      </p:grpSpPr>
+      <p:sp>
+        <p:nvSpPr>
+          <p:cNvPr id="130" name="Google Shape;130;p13:notes"/>
+          <p:cNvSpPr txBox="1">
+            <a:spLocks noGrp="1"/>
+          </p:cNvSpPr>
+          <p:nvPr>
+            <p:ph type="body" idx="1"/>
+          </p:nvPr>
+        </p:nvSpPr>
+        <p:spPr>
+          <a:xfrm>
+            <a:off x="685800" y="4400550"/>
+            <a:ext cx="5486400" cy="3600450"/>
+          </a:xfrm>
+          <a:prstGeom prst="rect">
+            <a:avLst/>
+          </a:prstGeom>
+        </p:spPr>
+        <p:txBody>
+          <a:bodyPr spcFirstLastPara="1" wrap="square" lIns="91425" tIns="45700" rIns="91425" bIns="45700" anchor="t" anchorCtr="0">
+            <a:noAutofit/>
+          </a:bodyPr>
+          <a:lstStyle/>
+          <a:p>
+            <a:pPr marL="0" lvl="0" indent="0" algn="l" rtl="0">
+              <a:spcBef>
+                <a:spcPts val="0"/>
+              </a:spcBef>
+              <a:spcAft>
+                <a:spcPts val="0"/>
+              </a:spcAft>
+              <a:buNone/>
+            </a:pPr>
+            <a:endParaRPr/>
+          </a:p>
+        </p:txBody>
+      </p:sp>
+      <p:sp>
+        <p:nvSpPr>
+          <p:cNvPr id="131" name="Google Shape;131;p13:notes"/>
+          <p:cNvSpPr>
+            <a:spLocks noGrp="1" noRot="1" noChangeAspect="1"/>
+          </p:cNvSpPr>
+          <p:nvPr>
+            <p:ph type="sldImg" idx="2"/>
+          </p:nvPr>
+        </p:nvSpPr>
+        <p:spPr>
+          <a:xfrm>
+            <a:off x="685800" y="1143000"/>
+            <a:ext cx="5486400" cy="3086100"/>
+          </a:xfrm>
+          <a:custGeom>
+            <a:avLst/>
+            <a:gdLst/>
+            <a:ahLst/>
+            <a:cxnLst/>
+            <a:rect l="l" t="t" r="r" b="b"/>
+            <a:pathLst>
+              <a:path w="120000" h="120000" extrusionOk="0">
+                <a:moveTo>
+                  <a:pt x="0" y="0"/>
+                </a:moveTo>
+                <a:lnTo>
+                  <a:pt x="120000" y="0"/>
+                </a:lnTo>
+                <a:lnTo>
+                  <a:pt x="120000" y="120000"/>
+                </a:lnTo>
+                <a:lnTo>
+                  <a:pt x="0" y="120000"/>
+                </a:lnTo>
+                <a:close/>
+              </a:path>
+            </a:pathLst>
+          </a:custGeom>
+        </p:spPr>
+      </p:sp>
+    </p:spTree>
+    <p:extLst>
+      <p:ext uri="{BB962C8B-B14F-4D97-AF65-F5344CB8AC3E}">
+        <p14:creationId xmlns:p14="http://schemas.microsoft.com/office/powerpoint/2010/main" val="3717616338"/>
+      </p:ext>
+    </p:extLst>
+  </p:cSld>
+  <p:clrMapOvr>
+    <a:masterClrMapping/>
+  </p:clrMapOvr>
+</p:notes>
+</file>
+
+<file path=ppt/notesSlides/notesSlide28.xml><?xml version="1.0" encoding="utf-8"?>
+<p:notes xmlns:a="http://schemas.openxmlformats.org/drawingml/2006/main" xmlns:r="http://schemas.openxmlformats.org/officeDocument/2006/relationships" xmlns:p="http://schemas.openxmlformats.org/presentationml/2006/main" showMasterSp="0" showMasterPhAnim="0">
+  <p:cSld>
+    <p:spTree>
+      <p:nvGrpSpPr>
+        <p:cNvPr id="1" name="Shape 129"/>
+        <p:cNvGrpSpPr/>
+        <p:nvPr/>
+      </p:nvGrpSpPr>
+      <p:grpSpPr>
+        <a:xfrm>
+          <a:off x="0" y="0"/>
+          <a:ext cx="0" cy="0"/>
+          <a:chOff x="0" y="0"/>
+          <a:chExt cx="0" cy="0"/>
+        </a:xfrm>
+      </p:grpSpPr>
+      <p:sp>
+        <p:nvSpPr>
+          <p:cNvPr id="130" name="Google Shape;130;p13:notes"/>
+          <p:cNvSpPr txBox="1">
+            <a:spLocks noGrp="1"/>
+          </p:cNvSpPr>
+          <p:nvPr>
+            <p:ph type="body" idx="1"/>
+          </p:nvPr>
+        </p:nvSpPr>
+        <p:spPr>
+          <a:xfrm>
+            <a:off x="685800" y="4400550"/>
+            <a:ext cx="5486400" cy="3600450"/>
+          </a:xfrm>
+          <a:prstGeom prst="rect">
+            <a:avLst/>
+          </a:prstGeom>
+        </p:spPr>
+        <p:txBody>
+          <a:bodyPr spcFirstLastPara="1" wrap="square" lIns="91425" tIns="45700" rIns="91425" bIns="45700" anchor="t" anchorCtr="0">
+            <a:noAutofit/>
+          </a:bodyPr>
+          <a:lstStyle/>
+          <a:p>
+            <a:pPr marL="0" lvl="0" indent="0" algn="l" rtl="0">
+              <a:spcBef>
+                <a:spcPts val="0"/>
+              </a:spcBef>
+              <a:spcAft>
+                <a:spcPts val="0"/>
+              </a:spcAft>
+              <a:buNone/>
+            </a:pPr>
+            <a:endParaRPr/>
+          </a:p>
+        </p:txBody>
+      </p:sp>
+      <p:sp>
+        <p:nvSpPr>
+          <p:cNvPr id="131" name="Google Shape;131;p13:notes"/>
+          <p:cNvSpPr>
+            <a:spLocks noGrp="1" noRot="1" noChangeAspect="1"/>
+          </p:cNvSpPr>
+          <p:nvPr>
+            <p:ph type="sldImg" idx="2"/>
+          </p:nvPr>
+        </p:nvSpPr>
+        <p:spPr>
+          <a:xfrm>
+            <a:off x="685800" y="1143000"/>
+            <a:ext cx="5486400" cy="3086100"/>
+          </a:xfrm>
+          <a:custGeom>
+            <a:avLst/>
+            <a:gdLst/>
+            <a:ahLst/>
+            <a:cxnLst/>
+            <a:rect l="l" t="t" r="r" b="b"/>
+            <a:pathLst>
+              <a:path w="120000" h="120000" extrusionOk="0">
+                <a:moveTo>
+                  <a:pt x="0" y="0"/>
+                </a:moveTo>
+                <a:lnTo>
+                  <a:pt x="120000" y="0"/>
+                </a:lnTo>
+                <a:lnTo>
+                  <a:pt x="120000" y="120000"/>
+                </a:lnTo>
+                <a:lnTo>
+                  <a:pt x="0" y="120000"/>
+                </a:lnTo>
+                <a:close/>
+              </a:path>
+            </a:pathLst>
+          </a:custGeom>
+        </p:spPr>
+      </p:sp>
+    </p:spTree>
+    <p:extLst>
+      <p:ext uri="{BB962C8B-B14F-4D97-AF65-F5344CB8AC3E}">
+        <p14:creationId xmlns:p14="http://schemas.microsoft.com/office/powerpoint/2010/main" val="425504690"/>
+      </p:ext>
+    </p:extLst>
+  </p:cSld>
+  <p:clrMapOvr>
+    <a:masterClrMapping/>
+  </p:clrMapOvr>
+</p:notes>
+</file>
+
+<file path=ppt/notesSlides/notesSlide29.xml><?xml version="1.0" encoding="utf-8"?>
+<p:notes xmlns:a="http://schemas.openxmlformats.org/drawingml/2006/main" xmlns:r="http://schemas.openxmlformats.org/officeDocument/2006/relationships" xmlns:p="http://schemas.openxmlformats.org/presentationml/2006/main" showMasterSp="0" showMasterPhAnim="0">
+  <p:cSld>
+    <p:spTree>
+      <p:nvGrpSpPr>
+        <p:cNvPr id="1" name="Shape 129"/>
+        <p:cNvGrpSpPr/>
+        <p:nvPr/>
+      </p:nvGrpSpPr>
+      <p:grpSpPr>
+        <a:xfrm>
+          <a:off x="0" y="0"/>
+          <a:ext cx="0" cy="0"/>
+          <a:chOff x="0" y="0"/>
+          <a:chExt cx="0" cy="0"/>
+        </a:xfrm>
+      </p:grpSpPr>
+      <p:sp>
+        <p:nvSpPr>
+          <p:cNvPr id="130" name="Google Shape;130;p13:notes"/>
+          <p:cNvSpPr txBox="1">
+            <a:spLocks noGrp="1"/>
+          </p:cNvSpPr>
+          <p:nvPr>
+            <p:ph type="body" idx="1"/>
+          </p:nvPr>
+        </p:nvSpPr>
+        <p:spPr>
+          <a:xfrm>
+            <a:off x="685800" y="4400550"/>
+            <a:ext cx="5486400" cy="3600450"/>
+          </a:xfrm>
+          <a:prstGeom prst="rect">
+            <a:avLst/>
+          </a:prstGeom>
+        </p:spPr>
+        <p:txBody>
+          <a:bodyPr spcFirstLastPara="1" wrap="square" lIns="91425" tIns="45700" rIns="91425" bIns="45700" anchor="t" anchorCtr="0">
+            <a:noAutofit/>
+          </a:bodyPr>
+          <a:lstStyle/>
+          <a:p>
+            <a:pPr marL="0" lvl="0" indent="0" algn="l" rtl="0">
+              <a:spcBef>
+                <a:spcPts val="0"/>
+              </a:spcBef>
+              <a:spcAft>
+                <a:spcPts val="0"/>
+              </a:spcAft>
+              <a:buNone/>
+            </a:pPr>
+            <a:endParaRPr/>
+          </a:p>
+        </p:txBody>
+      </p:sp>
+      <p:sp>
+        <p:nvSpPr>
+          <p:cNvPr id="131" name="Google Shape;131;p13:notes"/>
+          <p:cNvSpPr>
+            <a:spLocks noGrp="1" noRot="1" noChangeAspect="1"/>
+          </p:cNvSpPr>
+          <p:nvPr>
+            <p:ph type="sldImg" idx="2"/>
+          </p:nvPr>
+        </p:nvSpPr>
+        <p:spPr>
+          <a:xfrm>
+            <a:off x="685800" y="1143000"/>
+            <a:ext cx="5486400" cy="3086100"/>
+          </a:xfrm>
+          <a:custGeom>
+            <a:avLst/>
+            <a:gdLst/>
+            <a:ahLst/>
+            <a:cxnLst/>
+            <a:rect l="l" t="t" r="r" b="b"/>
+            <a:pathLst>
+              <a:path w="120000" h="120000" extrusionOk="0">
+                <a:moveTo>
+                  <a:pt x="0" y="0"/>
+                </a:moveTo>
+                <a:lnTo>
+                  <a:pt x="120000" y="0"/>
+                </a:lnTo>
+                <a:lnTo>
+                  <a:pt x="120000" y="120000"/>
+                </a:lnTo>
+                <a:lnTo>
+                  <a:pt x="0" y="120000"/>
+                </a:lnTo>
+                <a:close/>
+              </a:path>
+            </a:pathLst>
+          </a:custGeom>
+        </p:spPr>
+      </p:sp>
+    </p:spTree>
+    <p:extLst>
+      <p:ext uri="{BB962C8B-B14F-4D97-AF65-F5344CB8AC3E}">
+        <p14:creationId xmlns:p14="http://schemas.microsoft.com/office/powerpoint/2010/main" val="900077946"/>
+      </p:ext>
+    </p:extLst>
+  </p:cSld>
+  <p:clrMapOvr>
+    <a:masterClrMapping/>
+  </p:clrMapOvr>
+</p:notes>
+</file>
+
 <file path=ppt/notesSlides/notesSlide3.xml><?xml version="1.0" encoding="utf-8"?>
 <p:notes xmlns:a="http://schemas.openxmlformats.org/drawingml/2006/main" xmlns:r="http://schemas.openxmlformats.org/officeDocument/2006/relationships" xmlns:p="http://schemas.openxmlformats.org/presentationml/2006/main" showMasterSp="0" showMasterPhAnim="0">
   <p:cSld>
@@ -3268,6 +3934,660 @@
         </p:spPr>
       </p:sp>
     </p:spTree>
+  </p:cSld>
+  <p:clrMapOvr>
+    <a:masterClrMapping/>
+  </p:clrMapOvr>
+</p:notes>
+</file>
+
+<file path=ppt/notesSlides/notesSlide30.xml><?xml version="1.0" encoding="utf-8"?>
+<p:notes xmlns:a="http://schemas.openxmlformats.org/drawingml/2006/main" xmlns:r="http://schemas.openxmlformats.org/officeDocument/2006/relationships" xmlns:p="http://schemas.openxmlformats.org/presentationml/2006/main" showMasterSp="0" showMasterPhAnim="0">
+  <p:cSld>
+    <p:spTree>
+      <p:nvGrpSpPr>
+        <p:cNvPr id="1" name="Shape 129"/>
+        <p:cNvGrpSpPr/>
+        <p:nvPr/>
+      </p:nvGrpSpPr>
+      <p:grpSpPr>
+        <a:xfrm>
+          <a:off x="0" y="0"/>
+          <a:ext cx="0" cy="0"/>
+          <a:chOff x="0" y="0"/>
+          <a:chExt cx="0" cy="0"/>
+        </a:xfrm>
+      </p:grpSpPr>
+      <p:sp>
+        <p:nvSpPr>
+          <p:cNvPr id="130" name="Google Shape;130;p13:notes"/>
+          <p:cNvSpPr txBox="1">
+            <a:spLocks noGrp="1"/>
+          </p:cNvSpPr>
+          <p:nvPr>
+            <p:ph type="body" idx="1"/>
+          </p:nvPr>
+        </p:nvSpPr>
+        <p:spPr>
+          <a:xfrm>
+            <a:off x="685800" y="4400550"/>
+            <a:ext cx="5486400" cy="3600450"/>
+          </a:xfrm>
+          <a:prstGeom prst="rect">
+            <a:avLst/>
+          </a:prstGeom>
+        </p:spPr>
+        <p:txBody>
+          <a:bodyPr spcFirstLastPara="1" wrap="square" lIns="91425" tIns="45700" rIns="91425" bIns="45700" anchor="t" anchorCtr="0">
+            <a:noAutofit/>
+          </a:bodyPr>
+          <a:lstStyle/>
+          <a:p>
+            <a:pPr marL="0" lvl="0" indent="0" algn="l" rtl="0">
+              <a:spcBef>
+                <a:spcPts val="0"/>
+              </a:spcBef>
+              <a:spcAft>
+                <a:spcPts val="0"/>
+              </a:spcAft>
+              <a:buNone/>
+            </a:pPr>
+            <a:endParaRPr/>
+          </a:p>
+        </p:txBody>
+      </p:sp>
+      <p:sp>
+        <p:nvSpPr>
+          <p:cNvPr id="131" name="Google Shape;131;p13:notes"/>
+          <p:cNvSpPr>
+            <a:spLocks noGrp="1" noRot="1" noChangeAspect="1"/>
+          </p:cNvSpPr>
+          <p:nvPr>
+            <p:ph type="sldImg" idx="2"/>
+          </p:nvPr>
+        </p:nvSpPr>
+        <p:spPr>
+          <a:xfrm>
+            <a:off x="685800" y="1143000"/>
+            <a:ext cx="5486400" cy="3086100"/>
+          </a:xfrm>
+          <a:custGeom>
+            <a:avLst/>
+            <a:gdLst/>
+            <a:ahLst/>
+            <a:cxnLst/>
+            <a:rect l="l" t="t" r="r" b="b"/>
+            <a:pathLst>
+              <a:path w="120000" h="120000" extrusionOk="0">
+                <a:moveTo>
+                  <a:pt x="0" y="0"/>
+                </a:moveTo>
+                <a:lnTo>
+                  <a:pt x="120000" y="0"/>
+                </a:lnTo>
+                <a:lnTo>
+                  <a:pt x="120000" y="120000"/>
+                </a:lnTo>
+                <a:lnTo>
+                  <a:pt x="0" y="120000"/>
+                </a:lnTo>
+                <a:close/>
+              </a:path>
+            </a:pathLst>
+          </a:custGeom>
+        </p:spPr>
+      </p:sp>
+    </p:spTree>
+    <p:extLst>
+      <p:ext uri="{BB962C8B-B14F-4D97-AF65-F5344CB8AC3E}">
+        <p14:creationId xmlns:p14="http://schemas.microsoft.com/office/powerpoint/2010/main" val="3887854177"/>
+      </p:ext>
+    </p:extLst>
+  </p:cSld>
+  <p:clrMapOvr>
+    <a:masterClrMapping/>
+  </p:clrMapOvr>
+</p:notes>
+</file>
+
+<file path=ppt/notesSlides/notesSlide31.xml><?xml version="1.0" encoding="utf-8"?>
+<p:notes xmlns:a="http://schemas.openxmlformats.org/drawingml/2006/main" xmlns:r="http://schemas.openxmlformats.org/officeDocument/2006/relationships" xmlns:p="http://schemas.openxmlformats.org/presentationml/2006/main" showMasterSp="0" showMasterPhAnim="0">
+  <p:cSld>
+    <p:spTree>
+      <p:nvGrpSpPr>
+        <p:cNvPr id="1" name="Shape 129"/>
+        <p:cNvGrpSpPr/>
+        <p:nvPr/>
+      </p:nvGrpSpPr>
+      <p:grpSpPr>
+        <a:xfrm>
+          <a:off x="0" y="0"/>
+          <a:ext cx="0" cy="0"/>
+          <a:chOff x="0" y="0"/>
+          <a:chExt cx="0" cy="0"/>
+        </a:xfrm>
+      </p:grpSpPr>
+      <p:sp>
+        <p:nvSpPr>
+          <p:cNvPr id="130" name="Google Shape;130;p13:notes"/>
+          <p:cNvSpPr txBox="1">
+            <a:spLocks noGrp="1"/>
+          </p:cNvSpPr>
+          <p:nvPr>
+            <p:ph type="body" idx="1"/>
+          </p:nvPr>
+        </p:nvSpPr>
+        <p:spPr>
+          <a:xfrm>
+            <a:off x="685800" y="4400550"/>
+            <a:ext cx="5486400" cy="3600450"/>
+          </a:xfrm>
+          <a:prstGeom prst="rect">
+            <a:avLst/>
+          </a:prstGeom>
+        </p:spPr>
+        <p:txBody>
+          <a:bodyPr spcFirstLastPara="1" wrap="square" lIns="91425" tIns="45700" rIns="91425" bIns="45700" anchor="t" anchorCtr="0">
+            <a:noAutofit/>
+          </a:bodyPr>
+          <a:lstStyle/>
+          <a:p>
+            <a:pPr marL="0" lvl="0" indent="0" algn="l" rtl="0">
+              <a:spcBef>
+                <a:spcPts val="0"/>
+              </a:spcBef>
+              <a:spcAft>
+                <a:spcPts val="0"/>
+              </a:spcAft>
+              <a:buNone/>
+            </a:pPr>
+            <a:endParaRPr/>
+          </a:p>
+        </p:txBody>
+      </p:sp>
+      <p:sp>
+        <p:nvSpPr>
+          <p:cNvPr id="131" name="Google Shape;131;p13:notes"/>
+          <p:cNvSpPr>
+            <a:spLocks noGrp="1" noRot="1" noChangeAspect="1"/>
+          </p:cNvSpPr>
+          <p:nvPr>
+            <p:ph type="sldImg" idx="2"/>
+          </p:nvPr>
+        </p:nvSpPr>
+        <p:spPr>
+          <a:xfrm>
+            <a:off x="685800" y="1143000"/>
+            <a:ext cx="5486400" cy="3086100"/>
+          </a:xfrm>
+          <a:custGeom>
+            <a:avLst/>
+            <a:gdLst/>
+            <a:ahLst/>
+            <a:cxnLst/>
+            <a:rect l="l" t="t" r="r" b="b"/>
+            <a:pathLst>
+              <a:path w="120000" h="120000" extrusionOk="0">
+                <a:moveTo>
+                  <a:pt x="0" y="0"/>
+                </a:moveTo>
+                <a:lnTo>
+                  <a:pt x="120000" y="0"/>
+                </a:lnTo>
+                <a:lnTo>
+                  <a:pt x="120000" y="120000"/>
+                </a:lnTo>
+                <a:lnTo>
+                  <a:pt x="0" y="120000"/>
+                </a:lnTo>
+                <a:close/>
+              </a:path>
+            </a:pathLst>
+          </a:custGeom>
+        </p:spPr>
+      </p:sp>
+    </p:spTree>
+    <p:extLst>
+      <p:ext uri="{BB962C8B-B14F-4D97-AF65-F5344CB8AC3E}">
+        <p14:creationId xmlns:p14="http://schemas.microsoft.com/office/powerpoint/2010/main" val="2012820201"/>
+      </p:ext>
+    </p:extLst>
+  </p:cSld>
+  <p:clrMapOvr>
+    <a:masterClrMapping/>
+  </p:clrMapOvr>
+</p:notes>
+</file>
+
+<file path=ppt/notesSlides/notesSlide32.xml><?xml version="1.0" encoding="utf-8"?>
+<p:notes xmlns:a="http://schemas.openxmlformats.org/drawingml/2006/main" xmlns:r="http://schemas.openxmlformats.org/officeDocument/2006/relationships" xmlns:p="http://schemas.openxmlformats.org/presentationml/2006/main" showMasterSp="0" showMasterPhAnim="0">
+  <p:cSld>
+    <p:spTree>
+      <p:nvGrpSpPr>
+        <p:cNvPr id="1" name="Shape 129"/>
+        <p:cNvGrpSpPr/>
+        <p:nvPr/>
+      </p:nvGrpSpPr>
+      <p:grpSpPr>
+        <a:xfrm>
+          <a:off x="0" y="0"/>
+          <a:ext cx="0" cy="0"/>
+          <a:chOff x="0" y="0"/>
+          <a:chExt cx="0" cy="0"/>
+        </a:xfrm>
+      </p:grpSpPr>
+      <p:sp>
+        <p:nvSpPr>
+          <p:cNvPr id="130" name="Google Shape;130;p13:notes"/>
+          <p:cNvSpPr txBox="1">
+            <a:spLocks noGrp="1"/>
+          </p:cNvSpPr>
+          <p:nvPr>
+            <p:ph type="body" idx="1"/>
+          </p:nvPr>
+        </p:nvSpPr>
+        <p:spPr>
+          <a:xfrm>
+            <a:off x="685800" y="4400550"/>
+            <a:ext cx="5486400" cy="3600450"/>
+          </a:xfrm>
+          <a:prstGeom prst="rect">
+            <a:avLst/>
+          </a:prstGeom>
+        </p:spPr>
+        <p:txBody>
+          <a:bodyPr spcFirstLastPara="1" wrap="square" lIns="91425" tIns="45700" rIns="91425" bIns="45700" anchor="t" anchorCtr="0">
+            <a:noAutofit/>
+          </a:bodyPr>
+          <a:lstStyle/>
+          <a:p>
+            <a:pPr marL="0" lvl="0" indent="0" algn="l" rtl="0">
+              <a:spcBef>
+                <a:spcPts val="0"/>
+              </a:spcBef>
+              <a:spcAft>
+                <a:spcPts val="0"/>
+              </a:spcAft>
+              <a:buNone/>
+            </a:pPr>
+            <a:endParaRPr/>
+          </a:p>
+        </p:txBody>
+      </p:sp>
+      <p:sp>
+        <p:nvSpPr>
+          <p:cNvPr id="131" name="Google Shape;131;p13:notes"/>
+          <p:cNvSpPr>
+            <a:spLocks noGrp="1" noRot="1" noChangeAspect="1"/>
+          </p:cNvSpPr>
+          <p:nvPr>
+            <p:ph type="sldImg" idx="2"/>
+          </p:nvPr>
+        </p:nvSpPr>
+        <p:spPr>
+          <a:xfrm>
+            <a:off x="685800" y="1143000"/>
+            <a:ext cx="5486400" cy="3086100"/>
+          </a:xfrm>
+          <a:custGeom>
+            <a:avLst/>
+            <a:gdLst/>
+            <a:ahLst/>
+            <a:cxnLst/>
+            <a:rect l="l" t="t" r="r" b="b"/>
+            <a:pathLst>
+              <a:path w="120000" h="120000" extrusionOk="0">
+                <a:moveTo>
+                  <a:pt x="0" y="0"/>
+                </a:moveTo>
+                <a:lnTo>
+                  <a:pt x="120000" y="0"/>
+                </a:lnTo>
+                <a:lnTo>
+                  <a:pt x="120000" y="120000"/>
+                </a:lnTo>
+                <a:lnTo>
+                  <a:pt x="0" y="120000"/>
+                </a:lnTo>
+                <a:close/>
+              </a:path>
+            </a:pathLst>
+          </a:custGeom>
+        </p:spPr>
+      </p:sp>
+    </p:spTree>
+    <p:extLst>
+      <p:ext uri="{BB962C8B-B14F-4D97-AF65-F5344CB8AC3E}">
+        <p14:creationId xmlns:p14="http://schemas.microsoft.com/office/powerpoint/2010/main" val="1054820296"/>
+      </p:ext>
+    </p:extLst>
+  </p:cSld>
+  <p:clrMapOvr>
+    <a:masterClrMapping/>
+  </p:clrMapOvr>
+</p:notes>
+</file>
+
+<file path=ppt/notesSlides/notesSlide33.xml><?xml version="1.0" encoding="utf-8"?>
+<p:notes xmlns:a="http://schemas.openxmlformats.org/drawingml/2006/main" xmlns:r="http://schemas.openxmlformats.org/officeDocument/2006/relationships" xmlns:p="http://schemas.openxmlformats.org/presentationml/2006/main" showMasterSp="0" showMasterPhAnim="0">
+  <p:cSld>
+    <p:spTree>
+      <p:nvGrpSpPr>
+        <p:cNvPr id="1" name="Shape 129"/>
+        <p:cNvGrpSpPr/>
+        <p:nvPr/>
+      </p:nvGrpSpPr>
+      <p:grpSpPr>
+        <a:xfrm>
+          <a:off x="0" y="0"/>
+          <a:ext cx="0" cy="0"/>
+          <a:chOff x="0" y="0"/>
+          <a:chExt cx="0" cy="0"/>
+        </a:xfrm>
+      </p:grpSpPr>
+      <p:sp>
+        <p:nvSpPr>
+          <p:cNvPr id="130" name="Google Shape;130;p13:notes"/>
+          <p:cNvSpPr txBox="1">
+            <a:spLocks noGrp="1"/>
+          </p:cNvSpPr>
+          <p:nvPr>
+            <p:ph type="body" idx="1"/>
+          </p:nvPr>
+        </p:nvSpPr>
+        <p:spPr>
+          <a:xfrm>
+            <a:off x="685800" y="4400550"/>
+            <a:ext cx="5486400" cy="3600450"/>
+          </a:xfrm>
+          <a:prstGeom prst="rect">
+            <a:avLst/>
+          </a:prstGeom>
+        </p:spPr>
+        <p:txBody>
+          <a:bodyPr spcFirstLastPara="1" wrap="square" lIns="91425" tIns="45700" rIns="91425" bIns="45700" anchor="t" anchorCtr="0">
+            <a:noAutofit/>
+          </a:bodyPr>
+          <a:lstStyle/>
+          <a:p>
+            <a:pPr marL="0" lvl="0" indent="0" algn="l" rtl="0">
+              <a:spcBef>
+                <a:spcPts val="0"/>
+              </a:spcBef>
+              <a:spcAft>
+                <a:spcPts val="0"/>
+              </a:spcAft>
+              <a:buNone/>
+            </a:pPr>
+            <a:endParaRPr/>
+          </a:p>
+        </p:txBody>
+      </p:sp>
+      <p:sp>
+        <p:nvSpPr>
+          <p:cNvPr id="131" name="Google Shape;131;p13:notes"/>
+          <p:cNvSpPr>
+            <a:spLocks noGrp="1" noRot="1" noChangeAspect="1"/>
+          </p:cNvSpPr>
+          <p:nvPr>
+            <p:ph type="sldImg" idx="2"/>
+          </p:nvPr>
+        </p:nvSpPr>
+        <p:spPr>
+          <a:xfrm>
+            <a:off x="685800" y="1143000"/>
+            <a:ext cx="5486400" cy="3086100"/>
+          </a:xfrm>
+          <a:custGeom>
+            <a:avLst/>
+            <a:gdLst/>
+            <a:ahLst/>
+            <a:cxnLst/>
+            <a:rect l="l" t="t" r="r" b="b"/>
+            <a:pathLst>
+              <a:path w="120000" h="120000" extrusionOk="0">
+                <a:moveTo>
+                  <a:pt x="0" y="0"/>
+                </a:moveTo>
+                <a:lnTo>
+                  <a:pt x="120000" y="0"/>
+                </a:lnTo>
+                <a:lnTo>
+                  <a:pt x="120000" y="120000"/>
+                </a:lnTo>
+                <a:lnTo>
+                  <a:pt x="0" y="120000"/>
+                </a:lnTo>
+                <a:close/>
+              </a:path>
+            </a:pathLst>
+          </a:custGeom>
+        </p:spPr>
+      </p:sp>
+    </p:spTree>
+    <p:extLst>
+      <p:ext uri="{BB962C8B-B14F-4D97-AF65-F5344CB8AC3E}">
+        <p14:creationId xmlns:p14="http://schemas.microsoft.com/office/powerpoint/2010/main" val="1725571016"/>
+      </p:ext>
+    </p:extLst>
+  </p:cSld>
+  <p:clrMapOvr>
+    <a:masterClrMapping/>
+  </p:clrMapOvr>
+</p:notes>
+</file>
+
+<file path=ppt/notesSlides/notesSlide34.xml><?xml version="1.0" encoding="utf-8"?>
+<p:notes xmlns:a="http://schemas.openxmlformats.org/drawingml/2006/main" xmlns:r="http://schemas.openxmlformats.org/officeDocument/2006/relationships" xmlns:p="http://schemas.openxmlformats.org/presentationml/2006/main" showMasterSp="0" showMasterPhAnim="0">
+  <p:cSld>
+    <p:spTree>
+      <p:nvGrpSpPr>
+        <p:cNvPr id="1" name="Shape 129"/>
+        <p:cNvGrpSpPr/>
+        <p:nvPr/>
+      </p:nvGrpSpPr>
+      <p:grpSpPr>
+        <a:xfrm>
+          <a:off x="0" y="0"/>
+          <a:ext cx="0" cy="0"/>
+          <a:chOff x="0" y="0"/>
+          <a:chExt cx="0" cy="0"/>
+        </a:xfrm>
+      </p:grpSpPr>
+      <p:sp>
+        <p:nvSpPr>
+          <p:cNvPr id="130" name="Google Shape;130;p13:notes"/>
+          <p:cNvSpPr txBox="1">
+            <a:spLocks noGrp="1"/>
+          </p:cNvSpPr>
+          <p:nvPr>
+            <p:ph type="body" idx="1"/>
+          </p:nvPr>
+        </p:nvSpPr>
+        <p:spPr>
+          <a:xfrm>
+            <a:off x="685800" y="4400550"/>
+            <a:ext cx="5486400" cy="3600450"/>
+          </a:xfrm>
+          <a:prstGeom prst="rect">
+            <a:avLst/>
+          </a:prstGeom>
+        </p:spPr>
+        <p:txBody>
+          <a:bodyPr spcFirstLastPara="1" wrap="square" lIns="91425" tIns="45700" rIns="91425" bIns="45700" anchor="t" anchorCtr="0">
+            <a:noAutofit/>
+          </a:bodyPr>
+          <a:lstStyle/>
+          <a:p>
+            <a:pPr marL="0" lvl="0" indent="0" algn="l" rtl="0">
+              <a:spcBef>
+                <a:spcPts val="0"/>
+              </a:spcBef>
+              <a:spcAft>
+                <a:spcPts val="0"/>
+              </a:spcAft>
+              <a:buNone/>
+            </a:pPr>
+            <a:endParaRPr/>
+          </a:p>
+        </p:txBody>
+      </p:sp>
+      <p:sp>
+        <p:nvSpPr>
+          <p:cNvPr id="131" name="Google Shape;131;p13:notes"/>
+          <p:cNvSpPr>
+            <a:spLocks noGrp="1" noRot="1" noChangeAspect="1"/>
+          </p:cNvSpPr>
+          <p:nvPr>
+            <p:ph type="sldImg" idx="2"/>
+          </p:nvPr>
+        </p:nvSpPr>
+        <p:spPr>
+          <a:xfrm>
+            <a:off x="685800" y="1143000"/>
+            <a:ext cx="5486400" cy="3086100"/>
+          </a:xfrm>
+          <a:custGeom>
+            <a:avLst/>
+            <a:gdLst/>
+            <a:ahLst/>
+            <a:cxnLst/>
+            <a:rect l="l" t="t" r="r" b="b"/>
+            <a:pathLst>
+              <a:path w="120000" h="120000" extrusionOk="0">
+                <a:moveTo>
+                  <a:pt x="0" y="0"/>
+                </a:moveTo>
+                <a:lnTo>
+                  <a:pt x="120000" y="0"/>
+                </a:lnTo>
+                <a:lnTo>
+                  <a:pt x="120000" y="120000"/>
+                </a:lnTo>
+                <a:lnTo>
+                  <a:pt x="0" y="120000"/>
+                </a:lnTo>
+                <a:close/>
+              </a:path>
+            </a:pathLst>
+          </a:custGeom>
+        </p:spPr>
+      </p:sp>
+    </p:spTree>
+    <p:extLst>
+      <p:ext uri="{BB962C8B-B14F-4D97-AF65-F5344CB8AC3E}">
+        <p14:creationId xmlns:p14="http://schemas.microsoft.com/office/powerpoint/2010/main" val="4252843070"/>
+      </p:ext>
+    </p:extLst>
+  </p:cSld>
+  <p:clrMapOvr>
+    <a:masterClrMapping/>
+  </p:clrMapOvr>
+</p:notes>
+</file>
+
+<file path=ppt/notesSlides/notesSlide35.xml><?xml version="1.0" encoding="utf-8"?>
+<p:notes xmlns:a="http://schemas.openxmlformats.org/drawingml/2006/main" xmlns:r="http://schemas.openxmlformats.org/officeDocument/2006/relationships" xmlns:p="http://schemas.openxmlformats.org/presentationml/2006/main" showMasterSp="0" showMasterPhAnim="0">
+  <p:cSld>
+    <p:spTree>
+      <p:nvGrpSpPr>
+        <p:cNvPr id="1" name="Shape 129"/>
+        <p:cNvGrpSpPr/>
+        <p:nvPr/>
+      </p:nvGrpSpPr>
+      <p:grpSpPr>
+        <a:xfrm>
+          <a:off x="0" y="0"/>
+          <a:ext cx="0" cy="0"/>
+          <a:chOff x="0" y="0"/>
+          <a:chExt cx="0" cy="0"/>
+        </a:xfrm>
+      </p:grpSpPr>
+      <p:sp>
+        <p:nvSpPr>
+          <p:cNvPr id="130" name="Google Shape;130;p13:notes"/>
+          <p:cNvSpPr txBox="1">
+            <a:spLocks noGrp="1"/>
+          </p:cNvSpPr>
+          <p:nvPr>
+            <p:ph type="body" idx="1"/>
+          </p:nvPr>
+        </p:nvSpPr>
+        <p:spPr>
+          <a:xfrm>
+            <a:off x="685800" y="4400550"/>
+            <a:ext cx="5486400" cy="3600450"/>
+          </a:xfrm>
+          <a:prstGeom prst="rect">
+            <a:avLst/>
+          </a:prstGeom>
+        </p:spPr>
+        <p:txBody>
+          <a:bodyPr spcFirstLastPara="1" wrap="square" lIns="91425" tIns="45700" rIns="91425" bIns="45700" anchor="t" anchorCtr="0">
+            <a:noAutofit/>
+          </a:bodyPr>
+          <a:lstStyle/>
+          <a:p>
+            <a:pPr marL="0" lvl="0" indent="0" algn="l" rtl="0">
+              <a:spcBef>
+                <a:spcPts val="0"/>
+              </a:spcBef>
+              <a:spcAft>
+                <a:spcPts val="0"/>
+              </a:spcAft>
+              <a:buNone/>
+            </a:pPr>
+            <a:endParaRPr/>
+          </a:p>
+        </p:txBody>
+      </p:sp>
+      <p:sp>
+        <p:nvSpPr>
+          <p:cNvPr id="131" name="Google Shape;131;p13:notes"/>
+          <p:cNvSpPr>
+            <a:spLocks noGrp="1" noRot="1" noChangeAspect="1"/>
+          </p:cNvSpPr>
+          <p:nvPr>
+            <p:ph type="sldImg" idx="2"/>
+          </p:nvPr>
+        </p:nvSpPr>
+        <p:spPr>
+          <a:xfrm>
+            <a:off x="685800" y="1143000"/>
+            <a:ext cx="5486400" cy="3086100"/>
+          </a:xfrm>
+          <a:custGeom>
+            <a:avLst/>
+            <a:gdLst/>
+            <a:ahLst/>
+            <a:cxnLst/>
+            <a:rect l="l" t="t" r="r" b="b"/>
+            <a:pathLst>
+              <a:path w="120000" h="120000" extrusionOk="0">
+                <a:moveTo>
+                  <a:pt x="0" y="0"/>
+                </a:moveTo>
+                <a:lnTo>
+                  <a:pt x="120000" y="0"/>
+                </a:lnTo>
+                <a:lnTo>
+                  <a:pt x="120000" y="120000"/>
+                </a:lnTo>
+                <a:lnTo>
+                  <a:pt x="0" y="120000"/>
+                </a:lnTo>
+                <a:close/>
+              </a:path>
+            </a:pathLst>
+          </a:custGeom>
+        </p:spPr>
+      </p:sp>
+    </p:spTree>
+    <p:extLst>
+      <p:ext uri="{BB962C8B-B14F-4D97-AF65-F5344CB8AC3E}">
+        <p14:creationId xmlns:p14="http://schemas.microsoft.com/office/powerpoint/2010/main" val="3315553613"/>
+      </p:ext>
+    </p:extLst>
   </p:cSld>
   <p:clrMapOvr>
     <a:masterClrMapping/>
@@ -28193,20 +29513,75 @@
           </a:p>
         </p:txBody>
       </p:sp>
+      <p:pic>
+        <p:nvPicPr>
+          <p:cNvPr id="3" name="그림 2">
+            <a:extLst>
+              <a:ext uri="{FF2B5EF4-FFF2-40B4-BE49-F238E27FC236}">
+                <a16:creationId xmlns:a16="http://schemas.microsoft.com/office/drawing/2014/main" id="{1910F284-7D71-43B9-95F1-9C08397FA632}"/>
+              </a:ext>
+            </a:extLst>
+          </p:cNvPr>
+          <p:cNvPicPr>
+            <a:picLocks noChangeAspect="1"/>
+          </p:cNvPicPr>
+          <p:nvPr/>
+        </p:nvPicPr>
+        <p:blipFill>
+          <a:blip r:embed="rId3"/>
+          <a:stretch>
+            <a:fillRect/>
+          </a:stretch>
+        </p:blipFill>
+        <p:spPr>
+          <a:xfrm>
+            <a:off x="0" y="1477139"/>
+            <a:ext cx="12120091" cy="5241713"/>
+          </a:xfrm>
+          <a:prstGeom prst="rect">
+            <a:avLst/>
+          </a:prstGeom>
+        </p:spPr>
+      </p:pic>
+    </p:spTree>
+  </p:cSld>
+  <p:clrMapOvr>
+    <a:masterClrMapping/>
+  </p:clrMapOvr>
+</p:sld>
+</file>
+
+<file path=ppt/slides/slide24.xml><?xml version="1.0" encoding="utf-8"?>
+<p:sld xmlns:a="http://schemas.openxmlformats.org/drawingml/2006/main" xmlns:r="http://schemas.openxmlformats.org/officeDocument/2006/relationships" xmlns:p="http://schemas.openxmlformats.org/presentationml/2006/main">
+  <p:cSld>
+    <p:spTree>
+      <p:nvGrpSpPr>
+        <p:cNvPr id="1" name="Shape 132"/>
+        <p:cNvGrpSpPr/>
+        <p:nvPr/>
+      </p:nvGrpSpPr>
+      <p:grpSpPr>
+        <a:xfrm>
+          <a:off x="0" y="0"/>
+          <a:ext cx="0" cy="0"/>
+          <a:chOff x="0" y="0"/>
+          <a:chExt cx="0" cy="0"/>
+        </a:xfrm>
+      </p:grpSpPr>
       <p:sp>
         <p:nvSpPr>
-          <p:cNvPr id="134" name="Google Shape;134;p13"/>
+          <p:cNvPr id="133" name="Google Shape;133;p13"/>
           <p:cNvSpPr txBox="1">
             <a:spLocks noGrp="1"/>
           </p:cNvSpPr>
           <p:nvPr>
-            <p:ph type="body" idx="1"/>
+            <p:ph type="title"/>
           </p:nvPr>
         </p:nvSpPr>
         <p:spPr>
           <a:xfrm>
-            <a:off x="838200" y="1825625"/>
-            <a:ext cx="10515600" cy="4351338"/>
+            <a:off x="838200" y="365125"/>
+            <a:ext cx="10515600" cy="1325563"/>
           </a:xfrm>
           <a:prstGeom prst="rect">
             <a:avLst/>
@@ -28217,14 +29592,14 @@
           </a:ln>
         </p:spPr>
         <p:txBody>
-          <a:bodyPr spcFirstLastPara="1" wrap="square" lIns="91425" tIns="45700" rIns="91425" bIns="45700" anchor="t" anchorCtr="0">
+          <a:bodyPr spcFirstLastPara="1" wrap="square" lIns="91425" tIns="45700" rIns="91425" bIns="45700" anchor="ctr" anchorCtr="0">
             <a:normAutofit/>
           </a:bodyPr>
           <a:lstStyle/>
           <a:p>
-            <a:pPr marL="228600" lvl="0" indent="-228600" algn="l" rtl="0">
+            <a:pPr marL="0" lvl="0" indent="0" algn="l" rtl="0">
               <a:lnSpc>
-                <a:spcPct val="150000"/>
+                <a:spcPct val="90000"/>
               </a:lnSpc>
               <a:spcBef>
                 <a:spcPts val="0"/>
@@ -28235,1603 +29610,624 @@
               <a:buClr>
                 <a:schemeClr val="dk1"/>
               </a:buClr>
-              <a:buSzPts val="2800"/>
-              <a:buChar char="•"/>
+              <a:buSzPts val="4400"/>
+              <a:buFont typeface="Malgun Gothic"/>
+              <a:buNone/>
             </a:pPr>
             <a:r>
               <a:rPr lang="en-US"/>
-              <a:t>ERD 테이블 구성 및 스키마 설명</a:t>
+              <a:t>Table 명세</a:t>
             </a:r>
             <a:endParaRPr/>
           </a:p>
         </p:txBody>
       </p:sp>
-      <p:graphicFrame>
-        <p:nvGraphicFramePr>
-          <p:cNvPr id="135" name="Google Shape;135;p13"/>
-          <p:cNvGraphicFramePr/>
+      <p:pic>
+        <p:nvPicPr>
+          <p:cNvPr id="4" name="그림 3">
+            <a:extLst>
+              <a:ext uri="{FF2B5EF4-FFF2-40B4-BE49-F238E27FC236}">
+                <a16:creationId xmlns:a16="http://schemas.microsoft.com/office/drawing/2014/main" id="{5C15FAEB-7157-4CC6-B6BE-D0641703B187}"/>
+              </a:ext>
+            </a:extLst>
+          </p:cNvPr>
+          <p:cNvPicPr>
+            <a:picLocks noChangeAspect="1"/>
+          </p:cNvPicPr>
           <p:nvPr/>
-        </p:nvGraphicFramePr>
-        <p:xfrm>
-          <a:off x="1073805" y="2549450"/>
-          <a:ext cx="8992900" cy="2595950"/>
-        </p:xfrm>
-        <a:graphic>
-          <a:graphicData uri="http://schemas.openxmlformats.org/drawingml/2006/table">
-            <a:tbl>
-              <a:tblPr firstRow="1" bandRow="1">
-                <a:noFill/>
-                <a:tableStyleId>{5F6791DC-5017-4400-B032-68944D555E09}</a:tableStyleId>
-              </a:tblPr>
-              <a:tblGrid>
-                <a:gridCol w="1622125">
-                  <a:extLst>
-                    <a:ext uri="{9D8B030D-6E8A-4147-A177-3AD203B41FA5}">
-                      <a16:colId xmlns:a16="http://schemas.microsoft.com/office/drawing/2014/main" val="20000"/>
-                    </a:ext>
-                  </a:extLst>
-                </a:gridCol>
-                <a:gridCol w="1194100">
-                  <a:extLst>
-                    <a:ext uri="{9D8B030D-6E8A-4147-A177-3AD203B41FA5}">
-                      <a16:colId xmlns:a16="http://schemas.microsoft.com/office/drawing/2014/main" val="20001"/>
-                    </a:ext>
-                  </a:extLst>
-                </a:gridCol>
-                <a:gridCol w="1142550">
-                  <a:extLst>
-                    <a:ext uri="{9D8B030D-6E8A-4147-A177-3AD203B41FA5}">
-                      <a16:colId xmlns:a16="http://schemas.microsoft.com/office/drawing/2014/main" val="20002"/>
-                    </a:ext>
-                  </a:extLst>
-                </a:gridCol>
-                <a:gridCol w="1116775">
-                  <a:extLst>
-                    <a:ext uri="{9D8B030D-6E8A-4147-A177-3AD203B41FA5}">
-                      <a16:colId xmlns:a16="http://schemas.microsoft.com/office/drawing/2014/main" val="20003"/>
-                    </a:ext>
-                  </a:extLst>
-                </a:gridCol>
-                <a:gridCol w="902025">
-                  <a:extLst>
-                    <a:ext uri="{9D8B030D-6E8A-4147-A177-3AD203B41FA5}">
-                      <a16:colId xmlns:a16="http://schemas.microsoft.com/office/drawing/2014/main" val="20004"/>
-                    </a:ext>
-                  </a:extLst>
-                </a:gridCol>
-                <a:gridCol w="987925">
-                  <a:extLst>
-                    <a:ext uri="{9D8B030D-6E8A-4147-A177-3AD203B41FA5}">
-                      <a16:colId xmlns:a16="http://schemas.microsoft.com/office/drawing/2014/main" val="20005"/>
-                    </a:ext>
-                  </a:extLst>
-                </a:gridCol>
-                <a:gridCol w="2027400">
-                  <a:extLst>
-                    <a:ext uri="{9D8B030D-6E8A-4147-A177-3AD203B41FA5}">
-                      <a16:colId xmlns:a16="http://schemas.microsoft.com/office/drawing/2014/main" val="20006"/>
-                    </a:ext>
-                  </a:extLst>
-                </a:gridCol>
-              </a:tblGrid>
-              <a:tr h="370850">
-                <a:tc>
-                  <a:txBody>
-                    <a:bodyPr/>
-                    <a:lstStyle/>
-                    <a:p>
-                      <a:pPr marL="0" marR="0" lvl="0" indent="0" algn="ctr" rtl="0">
-                        <a:spcBef>
-                          <a:spcPts val="0"/>
-                        </a:spcBef>
-                        <a:spcAft>
-                          <a:spcPts val="0"/>
-                        </a:spcAft>
-                        <a:buNone/>
-                      </a:pPr>
-                      <a:r>
-                        <a:rPr lang="en-US" sz="1200"/>
-                        <a:t>테이블 명</a:t>
-                      </a:r>
-                      <a:endParaRPr/>
-                    </a:p>
-                  </a:txBody>
-                  <a:tcPr marL="91450" marR="91450" marT="45725" marB="45725" anchor="ctr">
-                    <a:solidFill>
-                      <a:srgbClr val="D8D8D8"/>
-                    </a:solidFill>
-                  </a:tcPr>
-                </a:tc>
-                <a:tc gridSpan="2">
-                  <a:txBody>
-                    <a:bodyPr/>
-                    <a:lstStyle/>
-                    <a:p>
-                      <a:pPr marL="0" marR="0" lvl="0" indent="0" algn="ctr" rtl="0">
-                        <a:spcBef>
-                          <a:spcPts val="0"/>
-                        </a:spcBef>
-                        <a:spcAft>
-                          <a:spcPts val="0"/>
-                        </a:spcAft>
-                        <a:buNone/>
-                      </a:pPr>
-                      <a:r>
-                        <a:rPr lang="en-US" sz="1200"/>
-                        <a:t>container</a:t>
-                      </a:r>
-                      <a:endParaRPr sz="1200"/>
-                    </a:p>
-                  </a:txBody>
-                  <a:tcPr marL="91450" marR="91450" marT="45725" marB="45725" anchor="ctr">
-                    <a:solidFill>
-                      <a:srgbClr val="D8D8D8"/>
-                    </a:solidFill>
-                  </a:tcPr>
-                </a:tc>
-                <a:tc hMerge="1">
-                  <a:txBody>
-                    <a:bodyPr/>
-                    <a:lstStyle/>
-                    <a:p>
-                      <a:endParaRPr lang="ko-KR"/>
-                    </a:p>
-                  </a:txBody>
-                  <a:tcPr/>
-                </a:tc>
-                <a:tc>
-                  <a:txBody>
-                    <a:bodyPr/>
-                    <a:lstStyle/>
-                    <a:p>
-                      <a:pPr marL="0" marR="0" lvl="0" indent="0" algn="ctr" rtl="0">
-                        <a:spcBef>
-                          <a:spcPts val="0"/>
-                        </a:spcBef>
-                        <a:spcAft>
-                          <a:spcPts val="0"/>
-                        </a:spcAft>
-                        <a:buNone/>
-                      </a:pPr>
-                      <a:r>
-                        <a:rPr lang="en-US" sz="1200"/>
-                        <a:t>테이블 설명</a:t>
-                      </a:r>
-                      <a:endParaRPr/>
-                    </a:p>
-                  </a:txBody>
-                  <a:tcPr marL="91450" marR="91450" marT="45725" marB="45725" anchor="ctr">
-                    <a:solidFill>
-                      <a:srgbClr val="D8D8D8"/>
-                    </a:solidFill>
-                  </a:tcPr>
-                </a:tc>
-                <a:tc gridSpan="3">
-                  <a:txBody>
-                    <a:bodyPr/>
-                    <a:lstStyle/>
-                    <a:p>
-                      <a:pPr marL="0" marR="0" lvl="0" indent="0" algn="ctr" rtl="0">
-                        <a:spcBef>
-                          <a:spcPts val="0"/>
-                        </a:spcBef>
-                        <a:spcAft>
-                          <a:spcPts val="0"/>
-                        </a:spcAft>
-                        <a:buNone/>
-                      </a:pPr>
-                      <a:r>
-                        <a:rPr lang="en-US" sz="1200"/>
-                        <a:t>컨테이너 정보</a:t>
-                      </a:r>
-                      <a:endParaRPr/>
-                    </a:p>
-                  </a:txBody>
-                  <a:tcPr marL="91450" marR="91450" marT="45725" marB="45725" anchor="ctr">
-                    <a:solidFill>
-                      <a:srgbClr val="D8D8D8"/>
-                    </a:solidFill>
-                  </a:tcPr>
-                </a:tc>
-                <a:tc hMerge="1">
-                  <a:txBody>
-                    <a:bodyPr/>
-                    <a:lstStyle/>
-                    <a:p>
-                      <a:endParaRPr lang="ko-KR"/>
-                    </a:p>
-                  </a:txBody>
-                  <a:tcPr/>
-                </a:tc>
-                <a:tc hMerge="1">
-                  <a:txBody>
-                    <a:bodyPr/>
-                    <a:lstStyle/>
-                    <a:p>
-                      <a:endParaRPr lang="ko-KR"/>
-                    </a:p>
-                  </a:txBody>
-                  <a:tcPr/>
-                </a:tc>
-                <a:extLst>
-                  <a:ext uri="{0D108BD9-81ED-4DB2-BD59-A6C34878D82A}">
-                    <a16:rowId xmlns:a16="http://schemas.microsoft.com/office/drawing/2014/main" val="10000"/>
-                  </a:ext>
-                </a:extLst>
-              </a:tr>
-              <a:tr h="370850">
-                <a:tc>
-                  <a:txBody>
-                    <a:bodyPr/>
-                    <a:lstStyle/>
-                    <a:p>
-                      <a:pPr marL="0" marR="0" lvl="0" indent="0" algn="ctr" rtl="0">
-                        <a:spcBef>
-                          <a:spcPts val="0"/>
-                        </a:spcBef>
-                        <a:spcAft>
-                          <a:spcPts val="0"/>
-                        </a:spcAft>
-                        <a:buNone/>
-                      </a:pPr>
-                      <a:r>
-                        <a:rPr lang="en-US" sz="1100" u="none" strike="noStrike"/>
-                        <a:t>컬럼명</a:t>
-                      </a:r>
-                      <a:endParaRPr sz="1100" b="0" i="0" u="none" strike="noStrike">
-                        <a:solidFill>
-                          <a:srgbClr val="000000"/>
-                        </a:solidFill>
-                        <a:latin typeface="Malgun Gothic"/>
-                        <a:ea typeface="Malgun Gothic"/>
-                        <a:cs typeface="Malgun Gothic"/>
-                        <a:sym typeface="Malgun Gothic"/>
-                      </a:endParaRPr>
-                    </a:p>
-                  </a:txBody>
-                  <a:tcPr marL="9525" marR="9525" marT="9525" marB="0" anchor="ctr">
-                    <a:solidFill>
-                      <a:srgbClr val="D8D8D8"/>
-                    </a:solidFill>
-                  </a:tcPr>
-                </a:tc>
-                <a:tc>
-                  <a:txBody>
-                    <a:bodyPr/>
-                    <a:lstStyle/>
-                    <a:p>
-                      <a:pPr marL="0" marR="0" lvl="0" indent="0" algn="ctr" rtl="0">
-                        <a:spcBef>
-                          <a:spcPts val="0"/>
-                        </a:spcBef>
-                        <a:spcAft>
-                          <a:spcPts val="0"/>
-                        </a:spcAft>
-                        <a:buNone/>
-                      </a:pPr>
-                      <a:r>
-                        <a:rPr lang="en-US" sz="1100" u="none" strike="noStrike"/>
-                        <a:t>타입</a:t>
-                      </a:r>
-                      <a:endParaRPr sz="1100" b="0" i="0" u="none" strike="noStrike">
-                        <a:solidFill>
-                          <a:srgbClr val="000000"/>
-                        </a:solidFill>
-                        <a:latin typeface="Malgun Gothic"/>
-                        <a:ea typeface="Malgun Gothic"/>
-                        <a:cs typeface="Malgun Gothic"/>
-                        <a:sym typeface="Malgun Gothic"/>
-                      </a:endParaRPr>
-                    </a:p>
-                  </a:txBody>
-                  <a:tcPr marL="9525" marR="9525" marT="9525" marB="0" anchor="ctr">
-                    <a:solidFill>
-                      <a:srgbClr val="D8D8D8"/>
-                    </a:solidFill>
-                  </a:tcPr>
-                </a:tc>
-                <a:tc>
-                  <a:txBody>
-                    <a:bodyPr/>
-                    <a:lstStyle/>
-                    <a:p>
-                      <a:pPr marL="0" marR="0" lvl="0" indent="0" algn="ctr" rtl="0">
-                        <a:spcBef>
-                          <a:spcPts val="0"/>
-                        </a:spcBef>
-                        <a:spcAft>
-                          <a:spcPts val="0"/>
-                        </a:spcAft>
-                        <a:buNone/>
-                      </a:pPr>
-                      <a:r>
-                        <a:rPr lang="en-US" sz="1100" u="none" strike="noStrike"/>
-                        <a:t>길이</a:t>
-                      </a:r>
-                      <a:endParaRPr sz="1100" b="0" i="0" u="none" strike="noStrike">
-                        <a:solidFill>
-                          <a:srgbClr val="000000"/>
-                        </a:solidFill>
-                        <a:latin typeface="Malgun Gothic"/>
-                        <a:ea typeface="Malgun Gothic"/>
-                        <a:cs typeface="Malgun Gothic"/>
-                        <a:sym typeface="Malgun Gothic"/>
-                      </a:endParaRPr>
-                    </a:p>
-                  </a:txBody>
-                  <a:tcPr marL="9525" marR="9525" marT="9525" marB="0" anchor="ctr">
-                    <a:solidFill>
-                      <a:srgbClr val="D8D8D8"/>
-                    </a:solidFill>
-                  </a:tcPr>
-                </a:tc>
-                <a:tc>
-                  <a:txBody>
-                    <a:bodyPr/>
-                    <a:lstStyle/>
-                    <a:p>
-                      <a:pPr marL="0" marR="0" lvl="0" indent="0" algn="ctr" rtl="0">
-                        <a:spcBef>
-                          <a:spcPts val="0"/>
-                        </a:spcBef>
-                        <a:spcAft>
-                          <a:spcPts val="0"/>
-                        </a:spcAft>
-                        <a:buNone/>
-                      </a:pPr>
-                      <a:r>
-                        <a:rPr lang="en-US" sz="1100" u="none" strike="noStrike"/>
-                        <a:t>Not Null</a:t>
-                      </a:r>
-                      <a:endParaRPr sz="1100" b="0" i="0" u="none" strike="noStrike">
-                        <a:solidFill>
-                          <a:srgbClr val="000000"/>
-                        </a:solidFill>
-                        <a:latin typeface="Malgun Gothic"/>
-                        <a:ea typeface="Malgun Gothic"/>
-                        <a:cs typeface="Malgun Gothic"/>
-                        <a:sym typeface="Malgun Gothic"/>
-                      </a:endParaRPr>
-                    </a:p>
-                  </a:txBody>
-                  <a:tcPr marL="9525" marR="9525" marT="9525" marB="0" anchor="ctr">
-                    <a:solidFill>
-                      <a:srgbClr val="D8D8D8"/>
-                    </a:solidFill>
-                  </a:tcPr>
-                </a:tc>
-                <a:tc>
-                  <a:txBody>
-                    <a:bodyPr/>
-                    <a:lstStyle/>
-                    <a:p>
-                      <a:pPr marL="0" marR="0" lvl="0" indent="0" algn="ctr" rtl="0">
-                        <a:spcBef>
-                          <a:spcPts val="0"/>
-                        </a:spcBef>
-                        <a:spcAft>
-                          <a:spcPts val="0"/>
-                        </a:spcAft>
-                        <a:buNone/>
-                      </a:pPr>
-                      <a:r>
-                        <a:rPr lang="en-US" sz="1100" u="none" strike="noStrike"/>
-                        <a:t>Key</a:t>
-                      </a:r>
-                      <a:endParaRPr sz="1100" b="0" i="0" u="none" strike="noStrike">
-                        <a:solidFill>
-                          <a:srgbClr val="000000"/>
-                        </a:solidFill>
-                        <a:latin typeface="Malgun Gothic"/>
-                        <a:ea typeface="Malgun Gothic"/>
-                        <a:cs typeface="Malgun Gothic"/>
-                        <a:sym typeface="Malgun Gothic"/>
-                      </a:endParaRPr>
-                    </a:p>
-                  </a:txBody>
-                  <a:tcPr marL="9525" marR="9525" marT="9525" marB="0" anchor="ctr">
-                    <a:solidFill>
-                      <a:srgbClr val="D8D8D8"/>
-                    </a:solidFill>
-                  </a:tcPr>
-                </a:tc>
-                <a:tc>
-                  <a:txBody>
-                    <a:bodyPr/>
-                    <a:lstStyle/>
-                    <a:p>
-                      <a:pPr marL="0" marR="0" lvl="0" indent="0" algn="ctr" rtl="0">
-                        <a:spcBef>
-                          <a:spcPts val="0"/>
-                        </a:spcBef>
-                        <a:spcAft>
-                          <a:spcPts val="0"/>
-                        </a:spcAft>
-                        <a:buNone/>
-                      </a:pPr>
-                      <a:r>
-                        <a:rPr lang="en-US" sz="1100" u="none" strike="noStrike"/>
-                        <a:t>Default</a:t>
-                      </a:r>
-                      <a:endParaRPr sz="1100" b="0" i="0" u="none" strike="noStrike">
-                        <a:solidFill>
-                          <a:srgbClr val="000000"/>
-                        </a:solidFill>
-                        <a:latin typeface="Malgun Gothic"/>
-                        <a:ea typeface="Malgun Gothic"/>
-                        <a:cs typeface="Malgun Gothic"/>
-                        <a:sym typeface="Malgun Gothic"/>
-                      </a:endParaRPr>
-                    </a:p>
-                  </a:txBody>
-                  <a:tcPr marL="9525" marR="9525" marT="9525" marB="0" anchor="ctr">
-                    <a:solidFill>
-                      <a:srgbClr val="D8D8D8"/>
-                    </a:solidFill>
-                  </a:tcPr>
-                </a:tc>
-                <a:tc>
-                  <a:txBody>
-                    <a:bodyPr/>
-                    <a:lstStyle/>
-                    <a:p>
-                      <a:pPr marL="0" marR="0" lvl="0" indent="0" algn="ctr" rtl="0">
-                        <a:spcBef>
-                          <a:spcPts val="0"/>
-                        </a:spcBef>
-                        <a:spcAft>
-                          <a:spcPts val="0"/>
-                        </a:spcAft>
-                        <a:buNone/>
-                      </a:pPr>
-                      <a:r>
-                        <a:rPr lang="en-US" sz="1100" u="none" strike="noStrike"/>
-                        <a:t>설명</a:t>
-                      </a:r>
-                      <a:endParaRPr sz="1200"/>
-                    </a:p>
-                  </a:txBody>
-                  <a:tcPr marL="9525" marR="9525" marT="9525" marB="0" anchor="ctr">
-                    <a:solidFill>
-                      <a:srgbClr val="D8D8D8"/>
-                    </a:solidFill>
-                  </a:tcPr>
-                </a:tc>
-                <a:extLst>
-                  <a:ext uri="{0D108BD9-81ED-4DB2-BD59-A6C34878D82A}">
-                    <a16:rowId xmlns:a16="http://schemas.microsoft.com/office/drawing/2014/main" val="10001"/>
-                  </a:ext>
-                </a:extLst>
-              </a:tr>
-              <a:tr h="370850">
-                <a:tc>
-                  <a:txBody>
-                    <a:bodyPr/>
-                    <a:lstStyle/>
-                    <a:p>
-                      <a:pPr marL="182563" marR="0" lvl="0" indent="0" algn="l" rtl="0">
-                        <a:spcBef>
-                          <a:spcPts val="0"/>
-                        </a:spcBef>
-                        <a:spcAft>
-                          <a:spcPts val="0"/>
-                        </a:spcAft>
-                        <a:buNone/>
-                      </a:pPr>
-                      <a:r>
-                        <a:rPr lang="en-US" sz="1100" u="none" strike="noStrike"/>
-                        <a:t>CONTAINERID</a:t>
-                      </a:r>
-                      <a:endParaRPr sz="1100" b="0" i="0" u="none" strike="noStrike">
-                        <a:solidFill>
-                          <a:srgbClr val="000000"/>
-                        </a:solidFill>
-                        <a:latin typeface="Malgun Gothic"/>
-                        <a:ea typeface="Malgun Gothic"/>
-                        <a:cs typeface="Malgun Gothic"/>
-                        <a:sym typeface="Malgun Gothic"/>
-                      </a:endParaRPr>
-                    </a:p>
-                  </a:txBody>
-                  <a:tcPr marL="9525" marR="9525" marT="9525" marB="0" anchor="ctr"/>
-                </a:tc>
-                <a:tc>
-                  <a:txBody>
-                    <a:bodyPr/>
-                    <a:lstStyle/>
-                    <a:p>
-                      <a:pPr marL="0" marR="0" lvl="0" indent="0" algn="ctr" rtl="0">
-                        <a:spcBef>
-                          <a:spcPts val="0"/>
-                        </a:spcBef>
-                        <a:spcAft>
-                          <a:spcPts val="0"/>
-                        </a:spcAft>
-                        <a:buNone/>
-                      </a:pPr>
-                      <a:r>
-                        <a:rPr lang="en-US" sz="1100" u="none" strike="noStrike"/>
-                        <a:t>int</a:t>
-                      </a:r>
-                      <a:endParaRPr sz="1100" b="0" i="0" u="none" strike="noStrike">
-                        <a:solidFill>
-                          <a:srgbClr val="000000"/>
-                        </a:solidFill>
-                        <a:latin typeface="Malgun Gothic"/>
-                        <a:ea typeface="Malgun Gothic"/>
-                        <a:cs typeface="Malgun Gothic"/>
-                        <a:sym typeface="Malgun Gothic"/>
-                      </a:endParaRPr>
-                    </a:p>
-                  </a:txBody>
-                  <a:tcPr marL="9525" marR="9525" marT="9525" marB="0" anchor="ctr"/>
-                </a:tc>
-                <a:tc>
-                  <a:txBody>
-                    <a:bodyPr/>
-                    <a:lstStyle/>
-                    <a:p>
-                      <a:pPr marL="0" marR="0" lvl="0" indent="0" algn="ctr" rtl="0">
-                        <a:spcBef>
-                          <a:spcPts val="0"/>
-                        </a:spcBef>
-                        <a:spcAft>
-                          <a:spcPts val="0"/>
-                        </a:spcAft>
-                        <a:buNone/>
-                      </a:pPr>
-                      <a:r>
-                        <a:rPr lang="en-US" sz="1100" u="none" strike="noStrike"/>
-                        <a:t>16</a:t>
-                      </a:r>
-                      <a:endParaRPr sz="1100" b="0" i="0" u="none" strike="noStrike">
-                        <a:solidFill>
-                          <a:srgbClr val="000000"/>
-                        </a:solidFill>
-                        <a:latin typeface="Malgun Gothic"/>
-                        <a:ea typeface="Malgun Gothic"/>
-                        <a:cs typeface="Malgun Gothic"/>
-                        <a:sym typeface="Malgun Gothic"/>
-                      </a:endParaRPr>
-                    </a:p>
-                  </a:txBody>
-                  <a:tcPr marL="9525" marR="9525" marT="9525" marB="0" anchor="ctr"/>
-                </a:tc>
-                <a:tc>
-                  <a:txBody>
-                    <a:bodyPr/>
-                    <a:lstStyle/>
-                    <a:p>
-                      <a:pPr marL="0" marR="0" lvl="0" indent="0" algn="ctr" rtl="0">
-                        <a:spcBef>
-                          <a:spcPts val="0"/>
-                        </a:spcBef>
-                        <a:spcAft>
-                          <a:spcPts val="0"/>
-                        </a:spcAft>
-                        <a:buNone/>
-                      </a:pPr>
-                      <a:r>
-                        <a:rPr lang="en-US" sz="1100" u="none" strike="noStrike"/>
-                        <a:t>O</a:t>
-                      </a:r>
-                      <a:endParaRPr sz="1100" b="0" i="0" u="none" strike="noStrike">
-                        <a:solidFill>
-                          <a:srgbClr val="000000"/>
-                        </a:solidFill>
-                        <a:latin typeface="Malgun Gothic"/>
-                        <a:ea typeface="Malgun Gothic"/>
-                        <a:cs typeface="Malgun Gothic"/>
-                        <a:sym typeface="Malgun Gothic"/>
-                      </a:endParaRPr>
-                    </a:p>
-                  </a:txBody>
-                  <a:tcPr marL="9525" marR="9525" marT="9525" marB="0" anchor="ctr"/>
-                </a:tc>
-                <a:tc>
-                  <a:txBody>
-                    <a:bodyPr/>
-                    <a:lstStyle/>
-                    <a:p>
-                      <a:pPr marL="0" marR="0" lvl="0" indent="0" algn="ctr" rtl="0">
-                        <a:spcBef>
-                          <a:spcPts val="0"/>
-                        </a:spcBef>
-                        <a:spcAft>
-                          <a:spcPts val="0"/>
-                        </a:spcAft>
-                        <a:buNone/>
-                      </a:pPr>
-                      <a:r>
-                        <a:rPr lang="en-US" sz="1100" b="0" u="none" strike="noStrike">
-                          <a:solidFill>
-                            <a:srgbClr val="000000"/>
-                          </a:solidFill>
-                        </a:rPr>
-                        <a:t>PK</a:t>
-                      </a:r>
-                      <a:endParaRPr sz="1100" b="0" i="0" u="none" strike="noStrike">
-                        <a:solidFill>
-                          <a:srgbClr val="000000"/>
-                        </a:solidFill>
-                        <a:latin typeface="Malgun Gothic"/>
-                        <a:ea typeface="Malgun Gothic"/>
-                        <a:cs typeface="Malgun Gothic"/>
-                        <a:sym typeface="Malgun Gothic"/>
-                      </a:endParaRPr>
-                    </a:p>
-                  </a:txBody>
-                  <a:tcPr marL="9525" marR="9525" marT="9525" marB="0" anchor="ctr"/>
-                </a:tc>
-                <a:tc>
-                  <a:txBody>
-                    <a:bodyPr/>
-                    <a:lstStyle/>
-                    <a:p>
-                      <a:pPr marL="0" marR="0" lvl="0" indent="0" algn="ctr" rtl="0">
-                        <a:spcBef>
-                          <a:spcPts val="0"/>
-                        </a:spcBef>
-                        <a:spcAft>
-                          <a:spcPts val="0"/>
-                        </a:spcAft>
-                        <a:buNone/>
-                      </a:pPr>
-                      <a:r>
-                        <a:rPr lang="en-US" sz="1100" u="none" strike="noStrike"/>
-                        <a:t>""</a:t>
-                      </a:r>
-                      <a:endParaRPr sz="1100" b="0" i="0" u="none" strike="noStrike">
-                        <a:solidFill>
-                          <a:srgbClr val="000000"/>
-                        </a:solidFill>
-                        <a:latin typeface="Malgun Gothic"/>
-                        <a:ea typeface="Malgun Gothic"/>
-                        <a:cs typeface="Malgun Gothic"/>
-                        <a:sym typeface="Malgun Gothic"/>
-                      </a:endParaRPr>
-                    </a:p>
-                  </a:txBody>
-                  <a:tcPr marL="9525" marR="9525" marT="9525" marB="0" anchor="ctr"/>
-                </a:tc>
-                <a:tc>
-                  <a:txBody>
-                    <a:bodyPr/>
-                    <a:lstStyle/>
-                    <a:p>
-                      <a:pPr marL="182563" marR="0" lvl="0" indent="0" algn="l" rtl="0">
-                        <a:spcBef>
-                          <a:spcPts val="0"/>
-                        </a:spcBef>
-                        <a:spcAft>
-                          <a:spcPts val="0"/>
-                        </a:spcAft>
-                        <a:buNone/>
-                      </a:pPr>
-                      <a:r>
-                        <a:rPr lang="en-US" sz="1100" u="none" strike="noStrike"/>
-                        <a:t>컨테이너식별자(차량번호)</a:t>
-                      </a:r>
-                      <a:endParaRPr sz="1100" b="0" i="0" u="none" strike="noStrike">
-                        <a:solidFill>
-                          <a:srgbClr val="000000"/>
-                        </a:solidFill>
-                        <a:latin typeface="Malgun Gothic"/>
-                        <a:ea typeface="Malgun Gothic"/>
-                        <a:cs typeface="Malgun Gothic"/>
-                        <a:sym typeface="Malgun Gothic"/>
-                      </a:endParaRPr>
-                    </a:p>
-                  </a:txBody>
-                  <a:tcPr marL="9525" marR="9525" marT="9525" marB="0" anchor="ctr"/>
-                </a:tc>
-                <a:extLst>
-                  <a:ext uri="{0D108BD9-81ED-4DB2-BD59-A6C34878D82A}">
-                    <a16:rowId xmlns:a16="http://schemas.microsoft.com/office/drawing/2014/main" val="10002"/>
-                  </a:ext>
-                </a:extLst>
-              </a:tr>
-              <a:tr h="370850">
-                <a:tc>
-                  <a:txBody>
-                    <a:bodyPr/>
-                    <a:lstStyle/>
-                    <a:p>
-                      <a:pPr marL="182563" marR="0" lvl="0" indent="0" algn="l" rtl="0">
-                        <a:spcBef>
-                          <a:spcPts val="0"/>
-                        </a:spcBef>
-                        <a:spcAft>
-                          <a:spcPts val="0"/>
-                        </a:spcAft>
-                        <a:buNone/>
-                      </a:pPr>
-                      <a:r>
-                        <a:rPr lang="en-US" sz="1100" u="none" strike="noStrike"/>
-                        <a:t>DRIVERNAME</a:t>
-                      </a:r>
-                      <a:endParaRPr sz="1100" b="0" i="0" u="none" strike="noStrike">
-                        <a:solidFill>
-                          <a:srgbClr val="000000"/>
-                        </a:solidFill>
-                        <a:latin typeface="Malgun Gothic"/>
-                        <a:ea typeface="Malgun Gothic"/>
-                        <a:cs typeface="Malgun Gothic"/>
-                        <a:sym typeface="Malgun Gothic"/>
-                      </a:endParaRPr>
-                    </a:p>
-                  </a:txBody>
-                  <a:tcPr marL="9525" marR="9525" marT="9525" marB="0" anchor="ctr"/>
-                </a:tc>
-                <a:tc>
-                  <a:txBody>
-                    <a:bodyPr/>
-                    <a:lstStyle/>
-                    <a:p>
-                      <a:pPr marL="0" marR="0" lvl="0" indent="0" algn="ctr" rtl="0">
-                        <a:spcBef>
-                          <a:spcPts val="0"/>
-                        </a:spcBef>
-                        <a:spcAft>
-                          <a:spcPts val="0"/>
-                        </a:spcAft>
-                        <a:buNone/>
-                      </a:pPr>
-                      <a:r>
-                        <a:rPr lang="en-US" sz="1100" u="none" strike="noStrike"/>
-                        <a:t>char</a:t>
-                      </a:r>
-                      <a:endParaRPr sz="1100" b="0" i="0" u="none" strike="noStrike">
-                        <a:solidFill>
-                          <a:srgbClr val="000000"/>
-                        </a:solidFill>
-                        <a:latin typeface="Malgun Gothic"/>
-                        <a:ea typeface="Malgun Gothic"/>
-                        <a:cs typeface="Malgun Gothic"/>
-                        <a:sym typeface="Malgun Gothic"/>
-                      </a:endParaRPr>
-                    </a:p>
-                  </a:txBody>
-                  <a:tcPr marL="9525" marR="9525" marT="9525" marB="0" anchor="ctr"/>
-                </a:tc>
-                <a:tc>
-                  <a:txBody>
-                    <a:bodyPr/>
-                    <a:lstStyle/>
-                    <a:p>
-                      <a:pPr marL="0" marR="0" lvl="0" indent="0" algn="ctr" rtl="0">
-                        <a:spcBef>
-                          <a:spcPts val="0"/>
-                        </a:spcBef>
-                        <a:spcAft>
-                          <a:spcPts val="0"/>
-                        </a:spcAft>
-                        <a:buNone/>
-                      </a:pPr>
-                      <a:r>
-                        <a:rPr lang="en-US" sz="1100" u="none" strike="noStrike"/>
-                        <a:t>32</a:t>
-                      </a:r>
-                      <a:endParaRPr sz="1100" b="0" i="0" u="none" strike="noStrike">
-                        <a:solidFill>
-                          <a:srgbClr val="000000"/>
-                        </a:solidFill>
-                        <a:latin typeface="Malgun Gothic"/>
-                        <a:ea typeface="Malgun Gothic"/>
-                        <a:cs typeface="Malgun Gothic"/>
-                        <a:sym typeface="Malgun Gothic"/>
-                      </a:endParaRPr>
-                    </a:p>
-                  </a:txBody>
-                  <a:tcPr marL="9525" marR="9525" marT="9525" marB="0" anchor="ctr"/>
-                </a:tc>
-                <a:tc>
-                  <a:txBody>
-                    <a:bodyPr/>
-                    <a:lstStyle/>
-                    <a:p>
-                      <a:pPr marL="0" marR="0" lvl="0" indent="0" algn="ctr" rtl="0">
-                        <a:spcBef>
-                          <a:spcPts val="0"/>
-                        </a:spcBef>
-                        <a:spcAft>
-                          <a:spcPts val="0"/>
-                        </a:spcAft>
-                        <a:buNone/>
-                      </a:pPr>
-                      <a:r>
-                        <a:rPr lang="en-US" sz="1100" u="none" strike="noStrike"/>
-                        <a:t>　</a:t>
-                      </a:r>
-                      <a:endParaRPr sz="1100" b="0" i="0" u="none" strike="noStrike">
-                        <a:solidFill>
-                          <a:srgbClr val="000000"/>
-                        </a:solidFill>
-                        <a:latin typeface="Malgun Gothic"/>
-                        <a:ea typeface="Malgun Gothic"/>
-                        <a:cs typeface="Malgun Gothic"/>
-                        <a:sym typeface="Malgun Gothic"/>
-                      </a:endParaRPr>
-                    </a:p>
-                  </a:txBody>
-                  <a:tcPr marL="9525" marR="9525" marT="9525" marB="0" anchor="ctr"/>
-                </a:tc>
-                <a:tc>
-                  <a:txBody>
-                    <a:bodyPr/>
-                    <a:lstStyle/>
-                    <a:p>
-                      <a:pPr marL="0" marR="0" lvl="0" indent="0" algn="ctr" rtl="0">
-                        <a:spcBef>
-                          <a:spcPts val="0"/>
-                        </a:spcBef>
-                        <a:spcAft>
-                          <a:spcPts val="0"/>
-                        </a:spcAft>
-                        <a:buNone/>
-                      </a:pPr>
-                      <a:r>
-                        <a:rPr lang="en-US" sz="1100" u="none" strike="noStrike"/>
-                        <a:t>　</a:t>
-                      </a:r>
-                      <a:endParaRPr sz="1100" b="0" i="0" u="none" strike="noStrike">
-                        <a:solidFill>
-                          <a:srgbClr val="000000"/>
-                        </a:solidFill>
-                        <a:latin typeface="Malgun Gothic"/>
-                        <a:ea typeface="Malgun Gothic"/>
-                        <a:cs typeface="Malgun Gothic"/>
-                        <a:sym typeface="Malgun Gothic"/>
-                      </a:endParaRPr>
-                    </a:p>
-                  </a:txBody>
-                  <a:tcPr marL="9525" marR="9525" marT="9525" marB="0" anchor="ctr"/>
-                </a:tc>
-                <a:tc>
-                  <a:txBody>
-                    <a:bodyPr/>
-                    <a:lstStyle/>
-                    <a:p>
-                      <a:pPr marL="0" marR="0" lvl="0" indent="0" algn="ctr" rtl="0">
-                        <a:spcBef>
-                          <a:spcPts val="0"/>
-                        </a:spcBef>
-                        <a:spcAft>
-                          <a:spcPts val="0"/>
-                        </a:spcAft>
-                        <a:buNone/>
-                      </a:pPr>
-                      <a:r>
-                        <a:rPr lang="en-US" sz="1100" u="none" strike="noStrike"/>
-                        <a:t>""</a:t>
-                      </a:r>
-                      <a:endParaRPr sz="1100" b="0" i="0" u="none" strike="noStrike">
-                        <a:solidFill>
-                          <a:srgbClr val="000000"/>
-                        </a:solidFill>
-                        <a:latin typeface="Malgun Gothic"/>
-                        <a:ea typeface="Malgun Gothic"/>
-                        <a:cs typeface="Malgun Gothic"/>
-                        <a:sym typeface="Malgun Gothic"/>
-                      </a:endParaRPr>
-                    </a:p>
-                  </a:txBody>
-                  <a:tcPr marL="9525" marR="9525" marT="9525" marB="0" anchor="ctr"/>
-                </a:tc>
-                <a:tc>
-                  <a:txBody>
-                    <a:bodyPr/>
-                    <a:lstStyle/>
-                    <a:p>
-                      <a:pPr marL="182563" marR="0" lvl="0" indent="0" algn="l" rtl="0">
-                        <a:spcBef>
-                          <a:spcPts val="0"/>
-                        </a:spcBef>
-                        <a:spcAft>
-                          <a:spcPts val="0"/>
-                        </a:spcAft>
-                        <a:buNone/>
-                      </a:pPr>
-                      <a:r>
-                        <a:rPr lang="en-US" sz="1100" u="none" strike="noStrike"/>
-                        <a:t>운전자이름</a:t>
-                      </a:r>
-                      <a:endParaRPr sz="1100" b="0" i="0" u="none" strike="noStrike">
-                        <a:solidFill>
-                          <a:srgbClr val="000000"/>
-                        </a:solidFill>
-                        <a:latin typeface="Malgun Gothic"/>
-                        <a:ea typeface="Malgun Gothic"/>
-                        <a:cs typeface="Malgun Gothic"/>
-                        <a:sym typeface="Malgun Gothic"/>
-                      </a:endParaRPr>
-                    </a:p>
-                  </a:txBody>
-                  <a:tcPr marL="9525" marR="9525" marT="9525" marB="0" anchor="ctr"/>
-                </a:tc>
-                <a:extLst>
-                  <a:ext uri="{0D108BD9-81ED-4DB2-BD59-A6C34878D82A}">
-                    <a16:rowId xmlns:a16="http://schemas.microsoft.com/office/drawing/2014/main" val="10003"/>
-                  </a:ext>
-                </a:extLst>
-              </a:tr>
-              <a:tr h="370850">
-                <a:tc>
-                  <a:txBody>
-                    <a:bodyPr/>
-                    <a:lstStyle/>
-                    <a:p>
-                      <a:pPr marL="182563" marR="0" lvl="0" indent="0" algn="l" rtl="0">
-                        <a:spcBef>
-                          <a:spcPts val="0"/>
-                        </a:spcBef>
-                        <a:spcAft>
-                          <a:spcPts val="0"/>
-                        </a:spcAft>
-                        <a:buNone/>
-                      </a:pPr>
-                      <a:r>
-                        <a:rPr lang="en-US" sz="1100" u="none" strike="noStrike"/>
-                        <a:t>DRIVERPHONE</a:t>
-                      </a:r>
-                      <a:endParaRPr sz="1100" b="0" i="0" u="none" strike="noStrike">
-                        <a:solidFill>
-                          <a:srgbClr val="000000"/>
-                        </a:solidFill>
-                        <a:latin typeface="Malgun Gothic"/>
-                        <a:ea typeface="Malgun Gothic"/>
-                        <a:cs typeface="Malgun Gothic"/>
-                        <a:sym typeface="Malgun Gothic"/>
-                      </a:endParaRPr>
-                    </a:p>
-                  </a:txBody>
-                  <a:tcPr marL="9525" marR="9525" marT="9525" marB="0" anchor="ctr"/>
-                </a:tc>
-                <a:tc>
-                  <a:txBody>
-                    <a:bodyPr/>
-                    <a:lstStyle/>
-                    <a:p>
-                      <a:pPr marL="0" marR="0" lvl="0" indent="0" algn="ctr" rtl="0">
-                        <a:spcBef>
-                          <a:spcPts val="0"/>
-                        </a:spcBef>
-                        <a:spcAft>
-                          <a:spcPts val="0"/>
-                        </a:spcAft>
-                        <a:buNone/>
-                      </a:pPr>
-                      <a:r>
-                        <a:rPr lang="en-US" sz="1100" u="none" strike="noStrike"/>
-                        <a:t>char</a:t>
-                      </a:r>
-                      <a:endParaRPr sz="1100" b="0" i="0" u="none" strike="noStrike">
-                        <a:solidFill>
-                          <a:srgbClr val="000000"/>
-                        </a:solidFill>
-                        <a:latin typeface="Malgun Gothic"/>
-                        <a:ea typeface="Malgun Gothic"/>
-                        <a:cs typeface="Malgun Gothic"/>
-                        <a:sym typeface="Malgun Gothic"/>
-                      </a:endParaRPr>
-                    </a:p>
-                  </a:txBody>
-                  <a:tcPr marL="9525" marR="9525" marT="9525" marB="0" anchor="ctr"/>
-                </a:tc>
-                <a:tc>
-                  <a:txBody>
-                    <a:bodyPr/>
-                    <a:lstStyle/>
-                    <a:p>
-                      <a:pPr marL="0" marR="0" lvl="0" indent="0" algn="ctr" rtl="0">
-                        <a:spcBef>
-                          <a:spcPts val="0"/>
-                        </a:spcBef>
-                        <a:spcAft>
-                          <a:spcPts val="0"/>
-                        </a:spcAft>
-                        <a:buNone/>
-                      </a:pPr>
-                      <a:r>
-                        <a:rPr lang="en-US" sz="1100" u="none" strike="noStrike"/>
-                        <a:t>32</a:t>
-                      </a:r>
-                      <a:endParaRPr sz="1100" b="0" i="0" u="none" strike="noStrike">
-                        <a:solidFill>
-                          <a:srgbClr val="000000"/>
-                        </a:solidFill>
-                        <a:latin typeface="Malgun Gothic"/>
-                        <a:ea typeface="Malgun Gothic"/>
-                        <a:cs typeface="Malgun Gothic"/>
-                        <a:sym typeface="Malgun Gothic"/>
-                      </a:endParaRPr>
-                    </a:p>
-                  </a:txBody>
-                  <a:tcPr marL="9525" marR="9525" marT="9525" marB="0" anchor="ctr"/>
-                </a:tc>
-                <a:tc>
-                  <a:txBody>
-                    <a:bodyPr/>
-                    <a:lstStyle/>
-                    <a:p>
-                      <a:pPr marL="0" marR="0" lvl="0" indent="0" algn="ctr" rtl="0">
-                        <a:spcBef>
-                          <a:spcPts val="0"/>
-                        </a:spcBef>
-                        <a:spcAft>
-                          <a:spcPts val="0"/>
-                        </a:spcAft>
-                        <a:buNone/>
-                      </a:pPr>
-                      <a:r>
-                        <a:rPr lang="en-US" sz="1100" u="none" strike="noStrike"/>
-                        <a:t>　</a:t>
-                      </a:r>
-                      <a:endParaRPr sz="1100" b="0" i="0" u="none" strike="noStrike">
-                        <a:solidFill>
-                          <a:srgbClr val="000000"/>
-                        </a:solidFill>
-                        <a:latin typeface="Malgun Gothic"/>
-                        <a:ea typeface="Malgun Gothic"/>
-                        <a:cs typeface="Malgun Gothic"/>
-                        <a:sym typeface="Malgun Gothic"/>
-                      </a:endParaRPr>
-                    </a:p>
-                  </a:txBody>
-                  <a:tcPr marL="9525" marR="9525" marT="9525" marB="0" anchor="ctr"/>
-                </a:tc>
-                <a:tc>
-                  <a:txBody>
-                    <a:bodyPr/>
-                    <a:lstStyle/>
-                    <a:p>
-                      <a:pPr marL="0" marR="0" lvl="0" indent="0" algn="ctr" rtl="0">
-                        <a:spcBef>
-                          <a:spcPts val="0"/>
-                        </a:spcBef>
-                        <a:spcAft>
-                          <a:spcPts val="0"/>
-                        </a:spcAft>
-                        <a:buNone/>
-                      </a:pPr>
-                      <a:r>
-                        <a:rPr lang="en-US" sz="1100" u="none" strike="noStrike"/>
-                        <a:t>　</a:t>
-                      </a:r>
-                      <a:endParaRPr sz="1100" b="0" i="0" u="none" strike="noStrike">
-                        <a:solidFill>
-                          <a:srgbClr val="000000"/>
-                        </a:solidFill>
-                        <a:latin typeface="Malgun Gothic"/>
-                        <a:ea typeface="Malgun Gothic"/>
-                        <a:cs typeface="Malgun Gothic"/>
-                        <a:sym typeface="Malgun Gothic"/>
-                      </a:endParaRPr>
-                    </a:p>
-                  </a:txBody>
-                  <a:tcPr marL="9525" marR="9525" marT="9525" marB="0" anchor="ctr"/>
-                </a:tc>
-                <a:tc>
-                  <a:txBody>
-                    <a:bodyPr/>
-                    <a:lstStyle/>
-                    <a:p>
-                      <a:pPr marL="0" marR="0" lvl="0" indent="0" algn="ctr" rtl="0">
-                        <a:spcBef>
-                          <a:spcPts val="0"/>
-                        </a:spcBef>
-                        <a:spcAft>
-                          <a:spcPts val="0"/>
-                        </a:spcAft>
-                        <a:buNone/>
-                      </a:pPr>
-                      <a:r>
-                        <a:rPr lang="en-US" sz="1100" u="none" strike="noStrike"/>
-                        <a:t>""</a:t>
-                      </a:r>
-                      <a:endParaRPr sz="1100" b="0" i="0" u="none" strike="noStrike">
-                        <a:solidFill>
-                          <a:srgbClr val="000000"/>
-                        </a:solidFill>
-                        <a:latin typeface="Malgun Gothic"/>
-                        <a:ea typeface="Malgun Gothic"/>
-                        <a:cs typeface="Malgun Gothic"/>
-                        <a:sym typeface="Malgun Gothic"/>
-                      </a:endParaRPr>
-                    </a:p>
-                  </a:txBody>
-                  <a:tcPr marL="9525" marR="9525" marT="9525" marB="0" anchor="ctr"/>
-                </a:tc>
-                <a:tc>
-                  <a:txBody>
-                    <a:bodyPr/>
-                    <a:lstStyle/>
-                    <a:p>
-                      <a:pPr marL="182563" marR="0" lvl="0" indent="0" algn="l" rtl="0">
-                        <a:spcBef>
-                          <a:spcPts val="0"/>
-                        </a:spcBef>
-                        <a:spcAft>
-                          <a:spcPts val="0"/>
-                        </a:spcAft>
-                        <a:buNone/>
-                      </a:pPr>
-                      <a:r>
-                        <a:rPr lang="en-US" sz="1100" u="none" strike="noStrike"/>
-                        <a:t>운전자연락처</a:t>
-                      </a:r>
-                      <a:endParaRPr sz="1100" b="0" i="0" u="none" strike="noStrike">
-                        <a:solidFill>
-                          <a:srgbClr val="000000"/>
-                        </a:solidFill>
-                        <a:latin typeface="Malgun Gothic"/>
-                        <a:ea typeface="Malgun Gothic"/>
-                        <a:cs typeface="Malgun Gothic"/>
-                        <a:sym typeface="Malgun Gothic"/>
-                      </a:endParaRPr>
-                    </a:p>
-                  </a:txBody>
-                  <a:tcPr marL="9525" marR="9525" marT="9525" marB="0" anchor="ctr"/>
-                </a:tc>
-                <a:extLst>
-                  <a:ext uri="{0D108BD9-81ED-4DB2-BD59-A6C34878D82A}">
-                    <a16:rowId xmlns:a16="http://schemas.microsoft.com/office/drawing/2014/main" val="10004"/>
-                  </a:ext>
-                </a:extLst>
-              </a:tr>
-              <a:tr h="370850">
-                <a:tc>
-                  <a:txBody>
-                    <a:bodyPr/>
-                    <a:lstStyle/>
-                    <a:p>
-                      <a:pPr marL="182563" marR="0" lvl="0" indent="0" algn="l" rtl="0">
-                        <a:spcBef>
-                          <a:spcPts val="0"/>
-                        </a:spcBef>
-                        <a:spcAft>
-                          <a:spcPts val="0"/>
-                        </a:spcAft>
-                        <a:buNone/>
-                      </a:pPr>
-                      <a:r>
-                        <a:rPr lang="en-US" sz="1100" u="none" strike="noStrike"/>
-                        <a:t>COMMENT</a:t>
-                      </a:r>
-                      <a:endParaRPr sz="1100" b="0" i="0" u="none" strike="noStrike">
-                        <a:solidFill>
-                          <a:srgbClr val="000000"/>
-                        </a:solidFill>
-                        <a:latin typeface="Malgun Gothic"/>
-                        <a:ea typeface="Malgun Gothic"/>
-                        <a:cs typeface="Malgun Gothic"/>
-                        <a:sym typeface="Malgun Gothic"/>
-                      </a:endParaRPr>
-                    </a:p>
-                  </a:txBody>
-                  <a:tcPr marL="9525" marR="9525" marT="9525" marB="0" anchor="ctr"/>
-                </a:tc>
-                <a:tc>
-                  <a:txBody>
-                    <a:bodyPr/>
-                    <a:lstStyle/>
-                    <a:p>
-                      <a:pPr marL="0" marR="0" lvl="0" indent="0" algn="ctr" rtl="0">
-                        <a:spcBef>
-                          <a:spcPts val="0"/>
-                        </a:spcBef>
-                        <a:spcAft>
-                          <a:spcPts val="0"/>
-                        </a:spcAft>
-                        <a:buNone/>
-                      </a:pPr>
-                      <a:r>
-                        <a:rPr lang="en-US" sz="1100" u="none" strike="noStrike"/>
-                        <a:t>varchar</a:t>
-                      </a:r>
-                      <a:endParaRPr sz="1100" b="0" i="0" u="none" strike="noStrike">
-                        <a:solidFill>
-                          <a:srgbClr val="000000"/>
-                        </a:solidFill>
-                        <a:latin typeface="Malgun Gothic"/>
-                        <a:ea typeface="Malgun Gothic"/>
-                        <a:cs typeface="Malgun Gothic"/>
-                        <a:sym typeface="Malgun Gothic"/>
-                      </a:endParaRPr>
-                    </a:p>
-                  </a:txBody>
-                  <a:tcPr marL="9525" marR="9525" marT="9525" marB="0" anchor="ctr"/>
-                </a:tc>
-                <a:tc>
-                  <a:txBody>
-                    <a:bodyPr/>
-                    <a:lstStyle/>
-                    <a:p>
-                      <a:pPr marL="0" marR="0" lvl="0" indent="0" algn="ctr" rtl="0">
-                        <a:spcBef>
-                          <a:spcPts val="0"/>
-                        </a:spcBef>
-                        <a:spcAft>
-                          <a:spcPts val="0"/>
-                        </a:spcAft>
-                        <a:buNone/>
-                      </a:pPr>
-                      <a:r>
-                        <a:rPr lang="en-US" sz="1100" u="none" strike="noStrike"/>
-                        <a:t>128</a:t>
-                      </a:r>
-                      <a:endParaRPr sz="1100" b="0" i="0" u="none" strike="noStrike">
-                        <a:solidFill>
-                          <a:srgbClr val="000000"/>
-                        </a:solidFill>
-                        <a:latin typeface="Malgun Gothic"/>
-                        <a:ea typeface="Malgun Gothic"/>
-                        <a:cs typeface="Malgun Gothic"/>
-                        <a:sym typeface="Malgun Gothic"/>
-                      </a:endParaRPr>
-                    </a:p>
-                  </a:txBody>
-                  <a:tcPr marL="9525" marR="9525" marT="9525" marB="0" anchor="ctr"/>
-                </a:tc>
-                <a:tc>
-                  <a:txBody>
-                    <a:bodyPr/>
-                    <a:lstStyle/>
-                    <a:p>
-                      <a:pPr marL="0" marR="0" lvl="0" indent="0" algn="ctr" rtl="0">
-                        <a:spcBef>
-                          <a:spcPts val="0"/>
-                        </a:spcBef>
-                        <a:spcAft>
-                          <a:spcPts val="0"/>
-                        </a:spcAft>
-                        <a:buNone/>
-                      </a:pPr>
-                      <a:r>
-                        <a:rPr lang="en-US" sz="1100" u="none" strike="noStrike"/>
-                        <a:t>　</a:t>
-                      </a:r>
-                      <a:endParaRPr sz="1100" b="0" i="0" u="none" strike="noStrike">
-                        <a:solidFill>
-                          <a:srgbClr val="000000"/>
-                        </a:solidFill>
-                        <a:latin typeface="Malgun Gothic"/>
-                        <a:ea typeface="Malgun Gothic"/>
-                        <a:cs typeface="Malgun Gothic"/>
-                        <a:sym typeface="Malgun Gothic"/>
-                      </a:endParaRPr>
-                    </a:p>
-                  </a:txBody>
-                  <a:tcPr marL="9525" marR="9525" marT="9525" marB="0" anchor="ctr"/>
-                </a:tc>
-                <a:tc>
-                  <a:txBody>
-                    <a:bodyPr/>
-                    <a:lstStyle/>
-                    <a:p>
-                      <a:pPr marL="0" marR="0" lvl="0" indent="0" algn="ctr" rtl="0">
-                        <a:spcBef>
-                          <a:spcPts val="0"/>
-                        </a:spcBef>
-                        <a:spcAft>
-                          <a:spcPts val="0"/>
-                        </a:spcAft>
-                        <a:buNone/>
-                      </a:pPr>
-                      <a:r>
-                        <a:rPr lang="en-US" sz="1100" u="none" strike="noStrike"/>
-                        <a:t>　</a:t>
-                      </a:r>
-                      <a:endParaRPr sz="1100" b="0" i="0" u="none" strike="noStrike">
-                        <a:solidFill>
-                          <a:srgbClr val="000000"/>
-                        </a:solidFill>
-                        <a:latin typeface="Malgun Gothic"/>
-                        <a:ea typeface="Malgun Gothic"/>
-                        <a:cs typeface="Malgun Gothic"/>
-                        <a:sym typeface="Malgun Gothic"/>
-                      </a:endParaRPr>
-                    </a:p>
-                  </a:txBody>
-                  <a:tcPr marL="9525" marR="9525" marT="9525" marB="0" anchor="ctr"/>
-                </a:tc>
-                <a:tc>
-                  <a:txBody>
-                    <a:bodyPr/>
-                    <a:lstStyle/>
-                    <a:p>
-                      <a:pPr marL="0" marR="0" lvl="0" indent="0" algn="ctr" rtl="0">
-                        <a:spcBef>
-                          <a:spcPts val="0"/>
-                        </a:spcBef>
-                        <a:spcAft>
-                          <a:spcPts val="0"/>
-                        </a:spcAft>
-                        <a:buNone/>
-                      </a:pPr>
-                      <a:r>
-                        <a:rPr lang="en-US" sz="1100" u="none" strike="noStrike"/>
-                        <a:t>""</a:t>
-                      </a:r>
-                      <a:endParaRPr sz="1100" b="0" i="0" u="none" strike="noStrike">
-                        <a:solidFill>
-                          <a:srgbClr val="000000"/>
-                        </a:solidFill>
-                        <a:latin typeface="Malgun Gothic"/>
-                        <a:ea typeface="Malgun Gothic"/>
-                        <a:cs typeface="Malgun Gothic"/>
-                        <a:sym typeface="Malgun Gothic"/>
-                      </a:endParaRPr>
-                    </a:p>
-                  </a:txBody>
-                  <a:tcPr marL="9525" marR="9525" marT="9525" marB="0" anchor="ctr"/>
-                </a:tc>
-                <a:tc>
-                  <a:txBody>
-                    <a:bodyPr/>
-                    <a:lstStyle/>
-                    <a:p>
-                      <a:pPr marL="182563" marR="0" lvl="0" indent="0" algn="l" rtl="0">
-                        <a:spcBef>
-                          <a:spcPts val="0"/>
-                        </a:spcBef>
-                        <a:spcAft>
-                          <a:spcPts val="0"/>
-                        </a:spcAft>
-                        <a:buNone/>
-                      </a:pPr>
-                      <a:r>
-                        <a:rPr lang="en-US" sz="1100" u="none" strike="noStrike"/>
-                        <a:t>컨테이너 정보</a:t>
-                      </a:r>
-                      <a:endParaRPr sz="1100" b="0" i="0" u="none" strike="noStrike">
-                        <a:solidFill>
-                          <a:srgbClr val="000000"/>
-                        </a:solidFill>
-                        <a:latin typeface="Malgun Gothic"/>
-                        <a:ea typeface="Malgun Gothic"/>
-                        <a:cs typeface="Malgun Gothic"/>
-                        <a:sym typeface="Malgun Gothic"/>
-                      </a:endParaRPr>
-                    </a:p>
-                  </a:txBody>
-                  <a:tcPr marL="9525" marR="9525" marT="9525" marB="0" anchor="ctr"/>
-                </a:tc>
-                <a:extLst>
-                  <a:ext uri="{0D108BD9-81ED-4DB2-BD59-A6C34878D82A}">
-                    <a16:rowId xmlns:a16="http://schemas.microsoft.com/office/drawing/2014/main" val="10005"/>
-                  </a:ext>
-                </a:extLst>
-              </a:tr>
-              <a:tr h="370850">
-                <a:tc>
-                  <a:txBody>
-                    <a:bodyPr/>
-                    <a:lstStyle/>
-                    <a:p>
-                      <a:pPr marL="182563" marR="0" lvl="0" indent="0" algn="l" rtl="0">
-                        <a:spcBef>
-                          <a:spcPts val="0"/>
-                        </a:spcBef>
-                        <a:spcAft>
-                          <a:spcPts val="0"/>
-                        </a:spcAft>
-                        <a:buNone/>
-                      </a:pPr>
-                      <a:r>
-                        <a:rPr lang="en-US" sz="1100" u="none" strike="noStrike"/>
-                        <a:t>ISEALID</a:t>
-                      </a:r>
-                      <a:endParaRPr sz="1100" b="0" i="0" u="none" strike="noStrike">
-                        <a:solidFill>
-                          <a:srgbClr val="000000"/>
-                        </a:solidFill>
-                        <a:latin typeface="Malgun Gothic"/>
-                        <a:ea typeface="Malgun Gothic"/>
-                        <a:cs typeface="Malgun Gothic"/>
-                        <a:sym typeface="Malgun Gothic"/>
-                      </a:endParaRPr>
-                    </a:p>
-                  </a:txBody>
-                  <a:tcPr marL="9525" marR="9525" marT="9525" marB="0" anchor="ctr"/>
-                </a:tc>
-                <a:tc>
-                  <a:txBody>
-                    <a:bodyPr/>
-                    <a:lstStyle/>
-                    <a:p>
-                      <a:pPr marL="0" marR="0" lvl="0" indent="0" algn="ctr" rtl="0">
-                        <a:spcBef>
-                          <a:spcPts val="0"/>
-                        </a:spcBef>
-                        <a:spcAft>
-                          <a:spcPts val="0"/>
-                        </a:spcAft>
-                        <a:buNone/>
-                      </a:pPr>
-                      <a:r>
-                        <a:rPr lang="en-US" sz="1100" u="none" strike="noStrike"/>
-                        <a:t>char</a:t>
-                      </a:r>
-                      <a:endParaRPr sz="1100" b="0" i="0" u="none" strike="noStrike">
-                        <a:solidFill>
-                          <a:srgbClr val="000000"/>
-                        </a:solidFill>
-                        <a:latin typeface="Malgun Gothic"/>
-                        <a:ea typeface="Malgun Gothic"/>
-                        <a:cs typeface="Malgun Gothic"/>
-                        <a:sym typeface="Malgun Gothic"/>
-                      </a:endParaRPr>
-                    </a:p>
-                  </a:txBody>
-                  <a:tcPr marL="9525" marR="9525" marT="9525" marB="0" anchor="ctr"/>
-                </a:tc>
-                <a:tc>
-                  <a:txBody>
-                    <a:bodyPr/>
-                    <a:lstStyle/>
-                    <a:p>
-                      <a:pPr marL="0" marR="0" lvl="0" indent="0" algn="ctr" rtl="0">
-                        <a:spcBef>
-                          <a:spcPts val="0"/>
-                        </a:spcBef>
-                        <a:spcAft>
-                          <a:spcPts val="0"/>
-                        </a:spcAft>
-                        <a:buNone/>
-                      </a:pPr>
-                      <a:r>
-                        <a:rPr lang="en-US" sz="1100" u="none" strike="noStrike"/>
-                        <a:t>11</a:t>
-                      </a:r>
-                      <a:endParaRPr sz="1100" b="0" i="0" u="none" strike="noStrike">
-                        <a:solidFill>
-                          <a:srgbClr val="000000"/>
-                        </a:solidFill>
-                        <a:latin typeface="Malgun Gothic"/>
-                        <a:ea typeface="Malgun Gothic"/>
-                        <a:cs typeface="Malgun Gothic"/>
-                        <a:sym typeface="Malgun Gothic"/>
-                      </a:endParaRPr>
-                    </a:p>
-                  </a:txBody>
-                  <a:tcPr marL="9525" marR="9525" marT="9525" marB="0" anchor="ctr"/>
-                </a:tc>
-                <a:tc>
-                  <a:txBody>
-                    <a:bodyPr/>
-                    <a:lstStyle/>
-                    <a:p>
-                      <a:pPr marL="0" marR="0" lvl="0" indent="0" algn="ctr" rtl="0">
-                        <a:spcBef>
-                          <a:spcPts val="0"/>
-                        </a:spcBef>
-                        <a:spcAft>
-                          <a:spcPts val="0"/>
-                        </a:spcAft>
-                        <a:buNone/>
-                      </a:pPr>
-                      <a:r>
-                        <a:rPr lang="en-US" sz="1100" u="none" strike="noStrike"/>
-                        <a:t>O</a:t>
-                      </a:r>
-                      <a:endParaRPr sz="1100" b="0" i="0" u="none" strike="noStrike">
-                        <a:solidFill>
-                          <a:srgbClr val="000000"/>
-                        </a:solidFill>
-                        <a:latin typeface="Malgun Gothic"/>
-                        <a:ea typeface="Malgun Gothic"/>
-                        <a:cs typeface="Malgun Gothic"/>
-                        <a:sym typeface="Malgun Gothic"/>
-                      </a:endParaRPr>
-                    </a:p>
-                  </a:txBody>
-                  <a:tcPr marL="9525" marR="9525" marT="9525" marB="0" anchor="ctr"/>
-                </a:tc>
-                <a:tc>
-                  <a:txBody>
-                    <a:bodyPr/>
-                    <a:lstStyle/>
-                    <a:p>
-                      <a:pPr marL="0" marR="0" lvl="0" indent="0" algn="ctr" rtl="0">
-                        <a:spcBef>
-                          <a:spcPts val="0"/>
-                        </a:spcBef>
-                        <a:spcAft>
-                          <a:spcPts val="0"/>
-                        </a:spcAft>
-                        <a:buNone/>
-                      </a:pPr>
-                      <a:r>
-                        <a:rPr lang="en-US" sz="1100" u="none" strike="noStrike"/>
-                        <a:t>FK　</a:t>
-                      </a:r>
-                      <a:endParaRPr sz="1100" b="0" i="0" u="none" strike="noStrike">
-                        <a:solidFill>
-                          <a:srgbClr val="000000"/>
-                        </a:solidFill>
-                        <a:latin typeface="Malgun Gothic"/>
-                        <a:ea typeface="Malgun Gothic"/>
-                        <a:cs typeface="Malgun Gothic"/>
-                        <a:sym typeface="Malgun Gothic"/>
-                      </a:endParaRPr>
-                    </a:p>
-                  </a:txBody>
-                  <a:tcPr marL="9525" marR="9525" marT="9525" marB="0" anchor="ctr"/>
-                </a:tc>
-                <a:tc>
-                  <a:txBody>
-                    <a:bodyPr/>
-                    <a:lstStyle/>
-                    <a:p>
-                      <a:pPr marL="0" marR="0" lvl="0" indent="0" algn="ctr" rtl="0">
-                        <a:spcBef>
-                          <a:spcPts val="0"/>
-                        </a:spcBef>
-                        <a:spcAft>
-                          <a:spcPts val="0"/>
-                        </a:spcAft>
-                        <a:buNone/>
-                      </a:pPr>
-                      <a:r>
-                        <a:rPr lang="en-US" sz="1100" u="none" strike="noStrike"/>
-                        <a:t>""</a:t>
-                      </a:r>
-                      <a:endParaRPr sz="1100" b="0" i="0" u="none" strike="noStrike">
-                        <a:solidFill>
-                          <a:srgbClr val="000000"/>
-                        </a:solidFill>
-                        <a:latin typeface="Malgun Gothic"/>
-                        <a:ea typeface="Malgun Gothic"/>
-                        <a:cs typeface="Malgun Gothic"/>
-                        <a:sym typeface="Malgun Gothic"/>
-                      </a:endParaRPr>
-                    </a:p>
-                  </a:txBody>
-                  <a:tcPr marL="9525" marR="9525" marT="9525" marB="0" anchor="ctr"/>
-                </a:tc>
-                <a:tc>
-                  <a:txBody>
-                    <a:bodyPr/>
-                    <a:lstStyle/>
-                    <a:p>
-                      <a:pPr marL="182563" marR="0" lvl="0" indent="0" algn="l" rtl="0">
-                        <a:spcBef>
-                          <a:spcPts val="0"/>
-                        </a:spcBef>
-                        <a:spcAft>
-                          <a:spcPts val="0"/>
-                        </a:spcAft>
-                        <a:buNone/>
-                      </a:pPr>
-                      <a:r>
-                        <a:rPr lang="en-US" sz="1100" u="none" strike="noStrike"/>
-                        <a:t>연결된 iseal 식별자</a:t>
-                      </a:r>
-                      <a:endParaRPr sz="1100" b="0" i="0" u="none" strike="noStrike">
-                        <a:solidFill>
-                          <a:srgbClr val="000000"/>
-                        </a:solidFill>
-                        <a:latin typeface="Malgun Gothic"/>
-                        <a:ea typeface="Malgun Gothic"/>
-                        <a:cs typeface="Malgun Gothic"/>
-                        <a:sym typeface="Malgun Gothic"/>
-                      </a:endParaRPr>
-                    </a:p>
-                  </a:txBody>
-                  <a:tcPr marL="9525" marR="9525" marT="9525" marB="0" anchor="ctr"/>
-                </a:tc>
-                <a:extLst>
-                  <a:ext uri="{0D108BD9-81ED-4DB2-BD59-A6C34878D82A}">
-                    <a16:rowId xmlns:a16="http://schemas.microsoft.com/office/drawing/2014/main" val="10006"/>
-                  </a:ext>
-                </a:extLst>
-              </a:tr>
-            </a:tbl>
-          </a:graphicData>
-        </a:graphic>
-      </p:graphicFrame>
+        </p:nvPicPr>
+        <p:blipFill>
+          <a:blip r:embed="rId3"/>
+          <a:stretch>
+            <a:fillRect/>
+          </a:stretch>
+        </p:blipFill>
+        <p:spPr>
+          <a:xfrm>
+            <a:off x="-1" y="1353149"/>
+            <a:ext cx="12006471" cy="5234760"/>
+          </a:xfrm>
+          <a:prstGeom prst="rect">
+            <a:avLst/>
+          </a:prstGeom>
+        </p:spPr>
+      </p:pic>
     </p:spTree>
+    <p:extLst>
+      <p:ext uri="{BB962C8B-B14F-4D97-AF65-F5344CB8AC3E}">
+        <p14:creationId xmlns:p14="http://schemas.microsoft.com/office/powerpoint/2010/main" val="1672730549"/>
+      </p:ext>
+    </p:extLst>
+  </p:cSld>
+  <p:clrMapOvr>
+    <a:masterClrMapping/>
+  </p:clrMapOvr>
+</p:sld>
+</file>
+
+<file path=ppt/slides/slide25.xml><?xml version="1.0" encoding="utf-8"?>
+<p:sld xmlns:a="http://schemas.openxmlformats.org/drawingml/2006/main" xmlns:r="http://schemas.openxmlformats.org/officeDocument/2006/relationships" xmlns:p="http://schemas.openxmlformats.org/presentationml/2006/main">
+  <p:cSld>
+    <p:spTree>
+      <p:nvGrpSpPr>
+        <p:cNvPr id="1" name="Shape 132"/>
+        <p:cNvGrpSpPr/>
+        <p:nvPr/>
+      </p:nvGrpSpPr>
+      <p:grpSpPr>
+        <a:xfrm>
+          <a:off x="0" y="0"/>
+          <a:ext cx="0" cy="0"/>
+          <a:chOff x="0" y="0"/>
+          <a:chExt cx="0" cy="0"/>
+        </a:xfrm>
+      </p:grpSpPr>
+      <p:sp>
+        <p:nvSpPr>
+          <p:cNvPr id="133" name="Google Shape;133;p13"/>
+          <p:cNvSpPr txBox="1">
+            <a:spLocks noGrp="1"/>
+          </p:cNvSpPr>
+          <p:nvPr>
+            <p:ph type="title"/>
+          </p:nvPr>
+        </p:nvSpPr>
+        <p:spPr>
+          <a:xfrm>
+            <a:off x="838200" y="365125"/>
+            <a:ext cx="10515600" cy="1325563"/>
+          </a:xfrm>
+          <a:prstGeom prst="rect">
+            <a:avLst/>
+          </a:prstGeom>
+          <a:noFill/>
+          <a:ln>
+            <a:noFill/>
+          </a:ln>
+        </p:spPr>
+        <p:txBody>
+          <a:bodyPr spcFirstLastPara="1" wrap="square" lIns="91425" tIns="45700" rIns="91425" bIns="45700" anchor="ctr" anchorCtr="0">
+            <a:normAutofit/>
+          </a:bodyPr>
+          <a:lstStyle/>
+          <a:p>
+            <a:pPr marL="0" lvl="0" indent="0" algn="l" rtl="0">
+              <a:lnSpc>
+                <a:spcPct val="90000"/>
+              </a:lnSpc>
+              <a:spcBef>
+                <a:spcPts val="0"/>
+              </a:spcBef>
+              <a:spcAft>
+                <a:spcPts val="0"/>
+              </a:spcAft>
+              <a:buClr>
+                <a:schemeClr val="dk1"/>
+              </a:buClr>
+              <a:buSzPts val="4400"/>
+              <a:buFont typeface="Malgun Gothic"/>
+              <a:buNone/>
+            </a:pPr>
+            <a:r>
+              <a:rPr lang="en-US"/>
+              <a:t>Table 명세</a:t>
+            </a:r>
+            <a:endParaRPr/>
+          </a:p>
+        </p:txBody>
+      </p:sp>
+      <p:pic>
+        <p:nvPicPr>
+          <p:cNvPr id="4" name="그림 3">
+            <a:extLst>
+              <a:ext uri="{FF2B5EF4-FFF2-40B4-BE49-F238E27FC236}">
+                <a16:creationId xmlns:a16="http://schemas.microsoft.com/office/drawing/2014/main" id="{2F7419E9-C69F-4F15-A91A-DF2C4652AE21}"/>
+              </a:ext>
+            </a:extLst>
+          </p:cNvPr>
+          <p:cNvPicPr>
+            <a:picLocks noChangeAspect="1"/>
+          </p:cNvPicPr>
+          <p:nvPr/>
+        </p:nvPicPr>
+        <p:blipFill>
+          <a:blip r:embed="rId3"/>
+          <a:stretch>
+            <a:fillRect/>
+          </a:stretch>
+        </p:blipFill>
+        <p:spPr>
+          <a:xfrm>
+            <a:off x="0" y="1690688"/>
+            <a:ext cx="11884559" cy="3186010"/>
+          </a:xfrm>
+          <a:prstGeom prst="rect">
+            <a:avLst/>
+          </a:prstGeom>
+        </p:spPr>
+      </p:pic>
+    </p:spTree>
+    <p:extLst>
+      <p:ext uri="{BB962C8B-B14F-4D97-AF65-F5344CB8AC3E}">
+        <p14:creationId xmlns:p14="http://schemas.microsoft.com/office/powerpoint/2010/main" val="1985239227"/>
+      </p:ext>
+    </p:extLst>
+  </p:cSld>
+  <p:clrMapOvr>
+    <a:masterClrMapping/>
+  </p:clrMapOvr>
+</p:sld>
+</file>
+
+<file path=ppt/slides/slide26.xml><?xml version="1.0" encoding="utf-8"?>
+<p:sld xmlns:a="http://schemas.openxmlformats.org/drawingml/2006/main" xmlns:r="http://schemas.openxmlformats.org/officeDocument/2006/relationships" xmlns:p="http://schemas.openxmlformats.org/presentationml/2006/main">
+  <p:cSld>
+    <p:spTree>
+      <p:nvGrpSpPr>
+        <p:cNvPr id="1" name="Shape 132"/>
+        <p:cNvGrpSpPr/>
+        <p:nvPr/>
+      </p:nvGrpSpPr>
+      <p:grpSpPr>
+        <a:xfrm>
+          <a:off x="0" y="0"/>
+          <a:ext cx="0" cy="0"/>
+          <a:chOff x="0" y="0"/>
+          <a:chExt cx="0" cy="0"/>
+        </a:xfrm>
+      </p:grpSpPr>
+      <p:sp>
+        <p:nvSpPr>
+          <p:cNvPr id="133" name="Google Shape;133;p13"/>
+          <p:cNvSpPr txBox="1">
+            <a:spLocks noGrp="1"/>
+          </p:cNvSpPr>
+          <p:nvPr>
+            <p:ph type="title"/>
+          </p:nvPr>
+        </p:nvSpPr>
+        <p:spPr>
+          <a:xfrm>
+            <a:off x="838200" y="365125"/>
+            <a:ext cx="10515600" cy="1325563"/>
+          </a:xfrm>
+          <a:prstGeom prst="rect">
+            <a:avLst/>
+          </a:prstGeom>
+          <a:noFill/>
+          <a:ln>
+            <a:noFill/>
+          </a:ln>
+        </p:spPr>
+        <p:txBody>
+          <a:bodyPr spcFirstLastPara="1" wrap="square" lIns="91425" tIns="45700" rIns="91425" bIns="45700" anchor="ctr" anchorCtr="0">
+            <a:normAutofit/>
+          </a:bodyPr>
+          <a:lstStyle/>
+          <a:p>
+            <a:pPr marL="0" lvl="0" indent="0" algn="l" rtl="0">
+              <a:lnSpc>
+                <a:spcPct val="90000"/>
+              </a:lnSpc>
+              <a:spcBef>
+                <a:spcPts val="0"/>
+              </a:spcBef>
+              <a:spcAft>
+                <a:spcPts val="0"/>
+              </a:spcAft>
+              <a:buClr>
+                <a:schemeClr val="dk1"/>
+              </a:buClr>
+              <a:buSzPts val="4400"/>
+              <a:buFont typeface="Malgun Gothic"/>
+              <a:buNone/>
+            </a:pPr>
+            <a:r>
+              <a:rPr lang="en-US"/>
+              <a:t>Table 명세</a:t>
+            </a:r>
+            <a:endParaRPr/>
+          </a:p>
+        </p:txBody>
+      </p:sp>
+      <p:pic>
+        <p:nvPicPr>
+          <p:cNvPr id="6" name="그림 5">
+            <a:extLst>
+              <a:ext uri="{FF2B5EF4-FFF2-40B4-BE49-F238E27FC236}">
+                <a16:creationId xmlns:a16="http://schemas.microsoft.com/office/drawing/2014/main" id="{17E22B51-9F67-4FE8-8E39-C2C95DF5FACA}"/>
+              </a:ext>
+            </a:extLst>
+          </p:cNvPr>
+          <p:cNvPicPr>
+            <a:picLocks noChangeAspect="1"/>
+          </p:cNvPicPr>
+          <p:nvPr/>
+        </p:nvPicPr>
+        <p:blipFill>
+          <a:blip r:embed="rId3"/>
+          <a:stretch>
+            <a:fillRect/>
+          </a:stretch>
+        </p:blipFill>
+        <p:spPr>
+          <a:xfrm>
+            <a:off x="0" y="1690687"/>
+            <a:ext cx="12192000" cy="5167313"/>
+          </a:xfrm>
+          <a:prstGeom prst="rect">
+            <a:avLst/>
+          </a:prstGeom>
+        </p:spPr>
+      </p:pic>
+    </p:spTree>
+    <p:extLst>
+      <p:ext uri="{BB962C8B-B14F-4D97-AF65-F5344CB8AC3E}">
+        <p14:creationId xmlns:p14="http://schemas.microsoft.com/office/powerpoint/2010/main" val="2688984815"/>
+      </p:ext>
+    </p:extLst>
+  </p:cSld>
+  <p:clrMapOvr>
+    <a:masterClrMapping/>
+  </p:clrMapOvr>
+</p:sld>
+</file>
+
+<file path=ppt/slides/slide27.xml><?xml version="1.0" encoding="utf-8"?>
+<p:sld xmlns:a="http://schemas.openxmlformats.org/drawingml/2006/main" xmlns:r="http://schemas.openxmlformats.org/officeDocument/2006/relationships" xmlns:p="http://schemas.openxmlformats.org/presentationml/2006/main">
+  <p:cSld>
+    <p:spTree>
+      <p:nvGrpSpPr>
+        <p:cNvPr id="1" name="Shape 132"/>
+        <p:cNvGrpSpPr/>
+        <p:nvPr/>
+      </p:nvGrpSpPr>
+      <p:grpSpPr>
+        <a:xfrm>
+          <a:off x="0" y="0"/>
+          <a:ext cx="0" cy="0"/>
+          <a:chOff x="0" y="0"/>
+          <a:chExt cx="0" cy="0"/>
+        </a:xfrm>
+      </p:grpSpPr>
+      <p:sp>
+        <p:nvSpPr>
+          <p:cNvPr id="133" name="Google Shape;133;p13"/>
+          <p:cNvSpPr txBox="1">
+            <a:spLocks noGrp="1"/>
+          </p:cNvSpPr>
+          <p:nvPr>
+            <p:ph type="title"/>
+          </p:nvPr>
+        </p:nvSpPr>
+        <p:spPr>
+          <a:xfrm>
+            <a:off x="838200" y="365125"/>
+            <a:ext cx="10515600" cy="1325563"/>
+          </a:xfrm>
+          <a:prstGeom prst="rect">
+            <a:avLst/>
+          </a:prstGeom>
+          <a:noFill/>
+          <a:ln>
+            <a:noFill/>
+          </a:ln>
+        </p:spPr>
+        <p:txBody>
+          <a:bodyPr spcFirstLastPara="1" wrap="square" lIns="91425" tIns="45700" rIns="91425" bIns="45700" anchor="ctr" anchorCtr="0">
+            <a:normAutofit/>
+          </a:bodyPr>
+          <a:lstStyle/>
+          <a:p>
+            <a:pPr marL="0" lvl="0" indent="0" algn="l" rtl="0">
+              <a:lnSpc>
+                <a:spcPct val="90000"/>
+              </a:lnSpc>
+              <a:spcBef>
+                <a:spcPts val="0"/>
+              </a:spcBef>
+              <a:spcAft>
+                <a:spcPts val="0"/>
+              </a:spcAft>
+              <a:buClr>
+                <a:schemeClr val="dk1"/>
+              </a:buClr>
+              <a:buSzPts val="4400"/>
+              <a:buFont typeface="Malgun Gothic"/>
+              <a:buNone/>
+            </a:pPr>
+            <a:r>
+              <a:rPr lang="en-US"/>
+              <a:t>Table 명세</a:t>
+            </a:r>
+            <a:endParaRPr/>
+          </a:p>
+        </p:txBody>
+      </p:sp>
+      <p:pic>
+        <p:nvPicPr>
+          <p:cNvPr id="4" name="그림 3">
+            <a:extLst>
+              <a:ext uri="{FF2B5EF4-FFF2-40B4-BE49-F238E27FC236}">
+                <a16:creationId xmlns:a16="http://schemas.microsoft.com/office/drawing/2014/main" id="{B8D84041-B436-4064-9252-3BC6AD75F88E}"/>
+              </a:ext>
+            </a:extLst>
+          </p:cNvPr>
+          <p:cNvPicPr>
+            <a:picLocks noChangeAspect="1"/>
+          </p:cNvPicPr>
+          <p:nvPr/>
+        </p:nvPicPr>
+        <p:blipFill>
+          <a:blip r:embed="rId3"/>
+          <a:stretch>
+            <a:fillRect/>
+          </a:stretch>
+        </p:blipFill>
+        <p:spPr>
+          <a:xfrm>
+            <a:off x="0" y="1690688"/>
+            <a:ext cx="12187716" cy="3139729"/>
+          </a:xfrm>
+          <a:prstGeom prst="rect">
+            <a:avLst/>
+          </a:prstGeom>
+        </p:spPr>
+      </p:pic>
+    </p:spTree>
+    <p:extLst>
+      <p:ext uri="{BB962C8B-B14F-4D97-AF65-F5344CB8AC3E}">
+        <p14:creationId xmlns:p14="http://schemas.microsoft.com/office/powerpoint/2010/main" val="1491352529"/>
+      </p:ext>
+    </p:extLst>
+  </p:cSld>
+  <p:clrMapOvr>
+    <a:masterClrMapping/>
+  </p:clrMapOvr>
+</p:sld>
+</file>
+
+<file path=ppt/slides/slide28.xml><?xml version="1.0" encoding="utf-8"?>
+<p:sld xmlns:a="http://schemas.openxmlformats.org/drawingml/2006/main" xmlns:r="http://schemas.openxmlformats.org/officeDocument/2006/relationships" xmlns:p="http://schemas.openxmlformats.org/presentationml/2006/main">
+  <p:cSld>
+    <p:spTree>
+      <p:nvGrpSpPr>
+        <p:cNvPr id="1" name="Shape 132"/>
+        <p:cNvGrpSpPr/>
+        <p:nvPr/>
+      </p:nvGrpSpPr>
+      <p:grpSpPr>
+        <a:xfrm>
+          <a:off x="0" y="0"/>
+          <a:ext cx="0" cy="0"/>
+          <a:chOff x="0" y="0"/>
+          <a:chExt cx="0" cy="0"/>
+        </a:xfrm>
+      </p:grpSpPr>
+      <p:sp>
+        <p:nvSpPr>
+          <p:cNvPr id="133" name="Google Shape;133;p13"/>
+          <p:cNvSpPr txBox="1">
+            <a:spLocks noGrp="1"/>
+          </p:cNvSpPr>
+          <p:nvPr>
+            <p:ph type="title"/>
+          </p:nvPr>
+        </p:nvSpPr>
+        <p:spPr>
+          <a:xfrm>
+            <a:off x="838200" y="365125"/>
+            <a:ext cx="10515600" cy="1325563"/>
+          </a:xfrm>
+          <a:prstGeom prst="rect">
+            <a:avLst/>
+          </a:prstGeom>
+          <a:noFill/>
+          <a:ln>
+            <a:noFill/>
+          </a:ln>
+        </p:spPr>
+        <p:txBody>
+          <a:bodyPr spcFirstLastPara="1" wrap="square" lIns="91425" tIns="45700" rIns="91425" bIns="45700" anchor="ctr" anchorCtr="0">
+            <a:normAutofit/>
+          </a:bodyPr>
+          <a:lstStyle/>
+          <a:p>
+            <a:pPr marL="0" lvl="0" indent="0" algn="l" rtl="0">
+              <a:lnSpc>
+                <a:spcPct val="90000"/>
+              </a:lnSpc>
+              <a:spcBef>
+                <a:spcPts val="0"/>
+              </a:spcBef>
+              <a:spcAft>
+                <a:spcPts val="0"/>
+              </a:spcAft>
+              <a:buClr>
+                <a:schemeClr val="dk1"/>
+              </a:buClr>
+              <a:buSzPts val="4400"/>
+              <a:buFont typeface="Malgun Gothic"/>
+              <a:buNone/>
+            </a:pPr>
+            <a:r>
+              <a:rPr lang="en-US"/>
+              <a:t>Table 명세</a:t>
+            </a:r>
+            <a:endParaRPr/>
+          </a:p>
+        </p:txBody>
+      </p:sp>
+      <p:pic>
+        <p:nvPicPr>
+          <p:cNvPr id="4" name="그림 3">
+            <a:extLst>
+              <a:ext uri="{FF2B5EF4-FFF2-40B4-BE49-F238E27FC236}">
+                <a16:creationId xmlns:a16="http://schemas.microsoft.com/office/drawing/2014/main" id="{674BE8BD-7C0F-47BA-9E60-410025373D1C}"/>
+              </a:ext>
+            </a:extLst>
+          </p:cNvPr>
+          <p:cNvPicPr>
+            <a:picLocks noChangeAspect="1"/>
+          </p:cNvPicPr>
+          <p:nvPr/>
+        </p:nvPicPr>
+        <p:blipFill>
+          <a:blip r:embed="rId3"/>
+          <a:stretch>
+            <a:fillRect/>
+          </a:stretch>
+        </p:blipFill>
+        <p:spPr>
+          <a:xfrm>
+            <a:off x="-1" y="1690688"/>
+            <a:ext cx="12102357" cy="3318634"/>
+          </a:xfrm>
+          <a:prstGeom prst="rect">
+            <a:avLst/>
+          </a:prstGeom>
+        </p:spPr>
+      </p:pic>
+    </p:spTree>
+    <p:extLst>
+      <p:ext uri="{BB962C8B-B14F-4D97-AF65-F5344CB8AC3E}">
+        <p14:creationId xmlns:p14="http://schemas.microsoft.com/office/powerpoint/2010/main" val="1805144246"/>
+      </p:ext>
+    </p:extLst>
+  </p:cSld>
+  <p:clrMapOvr>
+    <a:masterClrMapping/>
+  </p:clrMapOvr>
+</p:sld>
+</file>
+
+<file path=ppt/slides/slide29.xml><?xml version="1.0" encoding="utf-8"?>
+<p:sld xmlns:a="http://schemas.openxmlformats.org/drawingml/2006/main" xmlns:r="http://schemas.openxmlformats.org/officeDocument/2006/relationships" xmlns:p="http://schemas.openxmlformats.org/presentationml/2006/main">
+  <p:cSld>
+    <p:spTree>
+      <p:nvGrpSpPr>
+        <p:cNvPr id="1" name="Shape 132"/>
+        <p:cNvGrpSpPr/>
+        <p:nvPr/>
+      </p:nvGrpSpPr>
+      <p:grpSpPr>
+        <a:xfrm>
+          <a:off x="0" y="0"/>
+          <a:ext cx="0" cy="0"/>
+          <a:chOff x="0" y="0"/>
+          <a:chExt cx="0" cy="0"/>
+        </a:xfrm>
+      </p:grpSpPr>
+      <p:sp>
+        <p:nvSpPr>
+          <p:cNvPr id="133" name="Google Shape;133;p13"/>
+          <p:cNvSpPr txBox="1">
+            <a:spLocks noGrp="1"/>
+          </p:cNvSpPr>
+          <p:nvPr>
+            <p:ph type="title"/>
+          </p:nvPr>
+        </p:nvSpPr>
+        <p:spPr>
+          <a:xfrm>
+            <a:off x="838200" y="365125"/>
+            <a:ext cx="10515600" cy="1325563"/>
+          </a:xfrm>
+          <a:prstGeom prst="rect">
+            <a:avLst/>
+          </a:prstGeom>
+          <a:noFill/>
+          <a:ln>
+            <a:noFill/>
+          </a:ln>
+        </p:spPr>
+        <p:txBody>
+          <a:bodyPr spcFirstLastPara="1" wrap="square" lIns="91425" tIns="45700" rIns="91425" bIns="45700" anchor="ctr" anchorCtr="0">
+            <a:normAutofit/>
+          </a:bodyPr>
+          <a:lstStyle/>
+          <a:p>
+            <a:pPr marL="0" lvl="0" indent="0" algn="l" rtl="0">
+              <a:lnSpc>
+                <a:spcPct val="90000"/>
+              </a:lnSpc>
+              <a:spcBef>
+                <a:spcPts val="0"/>
+              </a:spcBef>
+              <a:spcAft>
+                <a:spcPts val="0"/>
+              </a:spcAft>
+              <a:buClr>
+                <a:schemeClr val="dk1"/>
+              </a:buClr>
+              <a:buSzPts val="4400"/>
+              <a:buFont typeface="Malgun Gothic"/>
+              <a:buNone/>
+            </a:pPr>
+            <a:r>
+              <a:rPr lang="en-US"/>
+              <a:t>Table 명세</a:t>
+            </a:r>
+            <a:endParaRPr/>
+          </a:p>
+        </p:txBody>
+      </p:sp>
+      <p:pic>
+        <p:nvPicPr>
+          <p:cNvPr id="4" name="그림 3">
+            <a:extLst>
+              <a:ext uri="{FF2B5EF4-FFF2-40B4-BE49-F238E27FC236}">
+                <a16:creationId xmlns:a16="http://schemas.microsoft.com/office/drawing/2014/main" id="{44B4DE48-DCF3-4032-96B8-38D007EB8141}"/>
+              </a:ext>
+            </a:extLst>
+          </p:cNvPr>
+          <p:cNvPicPr>
+            <a:picLocks noChangeAspect="1"/>
+          </p:cNvPicPr>
+          <p:nvPr/>
+        </p:nvPicPr>
+        <p:blipFill>
+          <a:blip r:embed="rId3"/>
+          <a:stretch>
+            <a:fillRect/>
+          </a:stretch>
+        </p:blipFill>
+        <p:spPr>
+          <a:xfrm>
+            <a:off x="0" y="1690688"/>
+            <a:ext cx="11982258" cy="3278877"/>
+          </a:xfrm>
+          <a:prstGeom prst="rect">
+            <a:avLst/>
+          </a:prstGeom>
+        </p:spPr>
+      </p:pic>
+    </p:spTree>
+    <p:extLst>
+      <p:ext uri="{BB962C8B-B14F-4D97-AF65-F5344CB8AC3E}">
+        <p14:creationId xmlns:p14="http://schemas.microsoft.com/office/powerpoint/2010/main" val="3389535461"/>
+      </p:ext>
+    </p:extLst>
   </p:cSld>
   <p:clrMapOvr>
     <a:masterClrMapping/>
@@ -30053,6 +30449,690 @@
         </p:txBody>
       </p:sp>
     </p:spTree>
+  </p:cSld>
+  <p:clrMapOvr>
+    <a:masterClrMapping/>
+  </p:clrMapOvr>
+</p:sld>
+</file>
+
+<file path=ppt/slides/slide30.xml><?xml version="1.0" encoding="utf-8"?>
+<p:sld xmlns:a="http://schemas.openxmlformats.org/drawingml/2006/main" xmlns:r="http://schemas.openxmlformats.org/officeDocument/2006/relationships" xmlns:p="http://schemas.openxmlformats.org/presentationml/2006/main">
+  <p:cSld>
+    <p:spTree>
+      <p:nvGrpSpPr>
+        <p:cNvPr id="1" name="Shape 132"/>
+        <p:cNvGrpSpPr/>
+        <p:nvPr/>
+      </p:nvGrpSpPr>
+      <p:grpSpPr>
+        <a:xfrm>
+          <a:off x="0" y="0"/>
+          <a:ext cx="0" cy="0"/>
+          <a:chOff x="0" y="0"/>
+          <a:chExt cx="0" cy="0"/>
+        </a:xfrm>
+      </p:grpSpPr>
+      <p:sp>
+        <p:nvSpPr>
+          <p:cNvPr id="133" name="Google Shape;133;p13"/>
+          <p:cNvSpPr txBox="1">
+            <a:spLocks noGrp="1"/>
+          </p:cNvSpPr>
+          <p:nvPr>
+            <p:ph type="title"/>
+          </p:nvPr>
+        </p:nvSpPr>
+        <p:spPr>
+          <a:xfrm>
+            <a:off x="838200" y="365125"/>
+            <a:ext cx="10515600" cy="1325563"/>
+          </a:xfrm>
+          <a:prstGeom prst="rect">
+            <a:avLst/>
+          </a:prstGeom>
+          <a:noFill/>
+          <a:ln>
+            <a:noFill/>
+          </a:ln>
+        </p:spPr>
+        <p:txBody>
+          <a:bodyPr spcFirstLastPara="1" wrap="square" lIns="91425" tIns="45700" rIns="91425" bIns="45700" anchor="ctr" anchorCtr="0">
+            <a:normAutofit/>
+          </a:bodyPr>
+          <a:lstStyle/>
+          <a:p>
+            <a:pPr marL="0" lvl="0" indent="0" algn="l" rtl="0">
+              <a:lnSpc>
+                <a:spcPct val="90000"/>
+              </a:lnSpc>
+              <a:spcBef>
+                <a:spcPts val="0"/>
+              </a:spcBef>
+              <a:spcAft>
+                <a:spcPts val="0"/>
+              </a:spcAft>
+              <a:buClr>
+                <a:schemeClr val="dk1"/>
+              </a:buClr>
+              <a:buSzPts val="4400"/>
+              <a:buFont typeface="Malgun Gothic"/>
+              <a:buNone/>
+            </a:pPr>
+            <a:r>
+              <a:rPr lang="en-US"/>
+              <a:t>Table 명세</a:t>
+            </a:r>
+            <a:endParaRPr/>
+          </a:p>
+        </p:txBody>
+      </p:sp>
+      <p:pic>
+        <p:nvPicPr>
+          <p:cNvPr id="4" name="그림 3">
+            <a:extLst>
+              <a:ext uri="{FF2B5EF4-FFF2-40B4-BE49-F238E27FC236}">
+                <a16:creationId xmlns:a16="http://schemas.microsoft.com/office/drawing/2014/main" id="{783064E4-7250-40D2-A07A-6A108BE0566D}"/>
+              </a:ext>
+            </a:extLst>
+          </p:cNvPr>
+          <p:cNvPicPr>
+            <a:picLocks noChangeAspect="1"/>
+          </p:cNvPicPr>
+          <p:nvPr/>
+        </p:nvPicPr>
+        <p:blipFill>
+          <a:blip r:embed="rId3"/>
+          <a:stretch>
+            <a:fillRect/>
+          </a:stretch>
+        </p:blipFill>
+        <p:spPr>
+          <a:xfrm>
+            <a:off x="0" y="1690688"/>
+            <a:ext cx="12203083" cy="5008286"/>
+          </a:xfrm>
+          <a:prstGeom prst="rect">
+            <a:avLst/>
+          </a:prstGeom>
+        </p:spPr>
+      </p:pic>
+    </p:spTree>
+    <p:extLst>
+      <p:ext uri="{BB962C8B-B14F-4D97-AF65-F5344CB8AC3E}">
+        <p14:creationId xmlns:p14="http://schemas.microsoft.com/office/powerpoint/2010/main" val="1855414166"/>
+      </p:ext>
+    </p:extLst>
+  </p:cSld>
+  <p:clrMapOvr>
+    <a:masterClrMapping/>
+  </p:clrMapOvr>
+</p:sld>
+</file>
+
+<file path=ppt/slides/slide31.xml><?xml version="1.0" encoding="utf-8"?>
+<p:sld xmlns:a="http://schemas.openxmlformats.org/drawingml/2006/main" xmlns:r="http://schemas.openxmlformats.org/officeDocument/2006/relationships" xmlns:p="http://schemas.openxmlformats.org/presentationml/2006/main">
+  <p:cSld>
+    <p:spTree>
+      <p:nvGrpSpPr>
+        <p:cNvPr id="1" name="Shape 132"/>
+        <p:cNvGrpSpPr/>
+        <p:nvPr/>
+      </p:nvGrpSpPr>
+      <p:grpSpPr>
+        <a:xfrm>
+          <a:off x="0" y="0"/>
+          <a:ext cx="0" cy="0"/>
+          <a:chOff x="0" y="0"/>
+          <a:chExt cx="0" cy="0"/>
+        </a:xfrm>
+      </p:grpSpPr>
+      <p:sp>
+        <p:nvSpPr>
+          <p:cNvPr id="133" name="Google Shape;133;p13"/>
+          <p:cNvSpPr txBox="1">
+            <a:spLocks noGrp="1"/>
+          </p:cNvSpPr>
+          <p:nvPr>
+            <p:ph type="title"/>
+          </p:nvPr>
+        </p:nvSpPr>
+        <p:spPr>
+          <a:xfrm>
+            <a:off x="838200" y="365125"/>
+            <a:ext cx="10515600" cy="1325563"/>
+          </a:xfrm>
+          <a:prstGeom prst="rect">
+            <a:avLst/>
+          </a:prstGeom>
+          <a:noFill/>
+          <a:ln>
+            <a:noFill/>
+          </a:ln>
+        </p:spPr>
+        <p:txBody>
+          <a:bodyPr spcFirstLastPara="1" wrap="square" lIns="91425" tIns="45700" rIns="91425" bIns="45700" anchor="ctr" anchorCtr="0">
+            <a:normAutofit/>
+          </a:bodyPr>
+          <a:lstStyle/>
+          <a:p>
+            <a:pPr marL="0" lvl="0" indent="0" algn="l" rtl="0">
+              <a:lnSpc>
+                <a:spcPct val="90000"/>
+              </a:lnSpc>
+              <a:spcBef>
+                <a:spcPts val="0"/>
+              </a:spcBef>
+              <a:spcAft>
+                <a:spcPts val="0"/>
+              </a:spcAft>
+              <a:buClr>
+                <a:schemeClr val="dk1"/>
+              </a:buClr>
+              <a:buSzPts val="4400"/>
+              <a:buFont typeface="Malgun Gothic"/>
+              <a:buNone/>
+            </a:pPr>
+            <a:r>
+              <a:rPr lang="en-US"/>
+              <a:t>Table 명세</a:t>
+            </a:r>
+            <a:endParaRPr/>
+          </a:p>
+        </p:txBody>
+      </p:sp>
+      <p:pic>
+        <p:nvPicPr>
+          <p:cNvPr id="4" name="그림 3">
+            <a:extLst>
+              <a:ext uri="{FF2B5EF4-FFF2-40B4-BE49-F238E27FC236}">
+                <a16:creationId xmlns:a16="http://schemas.microsoft.com/office/drawing/2014/main" id="{5E943886-E1B8-4C24-BA96-C23F86CBF9C9}"/>
+              </a:ext>
+            </a:extLst>
+          </p:cNvPr>
+          <p:cNvPicPr>
+            <a:picLocks noChangeAspect="1"/>
+          </p:cNvPicPr>
+          <p:nvPr/>
+        </p:nvPicPr>
+        <p:blipFill>
+          <a:blip r:embed="rId3"/>
+          <a:stretch>
+            <a:fillRect/>
+          </a:stretch>
+        </p:blipFill>
+        <p:spPr>
+          <a:xfrm>
+            <a:off x="0" y="1445491"/>
+            <a:ext cx="12192000" cy="5274732"/>
+          </a:xfrm>
+          <a:prstGeom prst="rect">
+            <a:avLst/>
+          </a:prstGeom>
+        </p:spPr>
+      </p:pic>
+    </p:spTree>
+    <p:extLst>
+      <p:ext uri="{BB962C8B-B14F-4D97-AF65-F5344CB8AC3E}">
+        <p14:creationId xmlns:p14="http://schemas.microsoft.com/office/powerpoint/2010/main" val="738002816"/>
+      </p:ext>
+    </p:extLst>
+  </p:cSld>
+  <p:clrMapOvr>
+    <a:masterClrMapping/>
+  </p:clrMapOvr>
+</p:sld>
+</file>
+
+<file path=ppt/slides/slide32.xml><?xml version="1.0" encoding="utf-8"?>
+<p:sld xmlns:a="http://schemas.openxmlformats.org/drawingml/2006/main" xmlns:r="http://schemas.openxmlformats.org/officeDocument/2006/relationships" xmlns:p="http://schemas.openxmlformats.org/presentationml/2006/main">
+  <p:cSld>
+    <p:spTree>
+      <p:nvGrpSpPr>
+        <p:cNvPr id="1" name="Shape 132"/>
+        <p:cNvGrpSpPr/>
+        <p:nvPr/>
+      </p:nvGrpSpPr>
+      <p:grpSpPr>
+        <a:xfrm>
+          <a:off x="0" y="0"/>
+          <a:ext cx="0" cy="0"/>
+          <a:chOff x="0" y="0"/>
+          <a:chExt cx="0" cy="0"/>
+        </a:xfrm>
+      </p:grpSpPr>
+      <p:sp>
+        <p:nvSpPr>
+          <p:cNvPr id="133" name="Google Shape;133;p13"/>
+          <p:cNvSpPr txBox="1">
+            <a:spLocks noGrp="1"/>
+          </p:cNvSpPr>
+          <p:nvPr>
+            <p:ph type="title"/>
+          </p:nvPr>
+        </p:nvSpPr>
+        <p:spPr>
+          <a:xfrm>
+            <a:off x="838200" y="365125"/>
+            <a:ext cx="10515600" cy="1325563"/>
+          </a:xfrm>
+          <a:prstGeom prst="rect">
+            <a:avLst/>
+          </a:prstGeom>
+          <a:noFill/>
+          <a:ln>
+            <a:noFill/>
+          </a:ln>
+        </p:spPr>
+        <p:txBody>
+          <a:bodyPr spcFirstLastPara="1" wrap="square" lIns="91425" tIns="45700" rIns="91425" bIns="45700" anchor="ctr" anchorCtr="0">
+            <a:normAutofit/>
+          </a:bodyPr>
+          <a:lstStyle/>
+          <a:p>
+            <a:pPr marL="0" lvl="0" indent="0" algn="l" rtl="0">
+              <a:lnSpc>
+                <a:spcPct val="90000"/>
+              </a:lnSpc>
+              <a:spcBef>
+                <a:spcPts val="0"/>
+              </a:spcBef>
+              <a:spcAft>
+                <a:spcPts val="0"/>
+              </a:spcAft>
+              <a:buClr>
+                <a:schemeClr val="dk1"/>
+              </a:buClr>
+              <a:buSzPts val="4400"/>
+              <a:buFont typeface="Malgun Gothic"/>
+              <a:buNone/>
+            </a:pPr>
+            <a:r>
+              <a:rPr lang="en-US"/>
+              <a:t>Table 명세</a:t>
+            </a:r>
+            <a:endParaRPr/>
+          </a:p>
+        </p:txBody>
+      </p:sp>
+      <p:pic>
+        <p:nvPicPr>
+          <p:cNvPr id="4" name="그림 3">
+            <a:extLst>
+              <a:ext uri="{FF2B5EF4-FFF2-40B4-BE49-F238E27FC236}">
+                <a16:creationId xmlns:a16="http://schemas.microsoft.com/office/drawing/2014/main" id="{02BE8A25-4F88-4394-A963-E6B7489CE1CC}"/>
+              </a:ext>
+            </a:extLst>
+          </p:cNvPr>
+          <p:cNvPicPr>
+            <a:picLocks noChangeAspect="1"/>
+          </p:cNvPicPr>
+          <p:nvPr/>
+        </p:nvPicPr>
+        <p:blipFill>
+          <a:blip r:embed="rId3"/>
+          <a:stretch>
+            <a:fillRect/>
+          </a:stretch>
+        </p:blipFill>
+        <p:spPr>
+          <a:xfrm>
+            <a:off x="-1" y="1690688"/>
+            <a:ext cx="12192001" cy="4038409"/>
+          </a:xfrm>
+          <a:prstGeom prst="rect">
+            <a:avLst/>
+          </a:prstGeom>
+        </p:spPr>
+      </p:pic>
+    </p:spTree>
+    <p:extLst>
+      <p:ext uri="{BB962C8B-B14F-4D97-AF65-F5344CB8AC3E}">
+        <p14:creationId xmlns:p14="http://schemas.microsoft.com/office/powerpoint/2010/main" val="1567462015"/>
+      </p:ext>
+    </p:extLst>
+  </p:cSld>
+  <p:clrMapOvr>
+    <a:masterClrMapping/>
+  </p:clrMapOvr>
+</p:sld>
+</file>
+
+<file path=ppt/slides/slide33.xml><?xml version="1.0" encoding="utf-8"?>
+<p:sld xmlns:a="http://schemas.openxmlformats.org/drawingml/2006/main" xmlns:r="http://schemas.openxmlformats.org/officeDocument/2006/relationships" xmlns:p="http://schemas.openxmlformats.org/presentationml/2006/main">
+  <p:cSld>
+    <p:spTree>
+      <p:nvGrpSpPr>
+        <p:cNvPr id="1" name="Shape 132"/>
+        <p:cNvGrpSpPr/>
+        <p:nvPr/>
+      </p:nvGrpSpPr>
+      <p:grpSpPr>
+        <a:xfrm>
+          <a:off x="0" y="0"/>
+          <a:ext cx="0" cy="0"/>
+          <a:chOff x="0" y="0"/>
+          <a:chExt cx="0" cy="0"/>
+        </a:xfrm>
+      </p:grpSpPr>
+      <p:sp>
+        <p:nvSpPr>
+          <p:cNvPr id="133" name="Google Shape;133;p13"/>
+          <p:cNvSpPr txBox="1">
+            <a:spLocks noGrp="1"/>
+          </p:cNvSpPr>
+          <p:nvPr>
+            <p:ph type="title"/>
+          </p:nvPr>
+        </p:nvSpPr>
+        <p:spPr>
+          <a:xfrm>
+            <a:off x="838200" y="365125"/>
+            <a:ext cx="10515600" cy="1325563"/>
+          </a:xfrm>
+          <a:prstGeom prst="rect">
+            <a:avLst/>
+          </a:prstGeom>
+          <a:noFill/>
+          <a:ln>
+            <a:noFill/>
+          </a:ln>
+        </p:spPr>
+        <p:txBody>
+          <a:bodyPr spcFirstLastPara="1" wrap="square" lIns="91425" tIns="45700" rIns="91425" bIns="45700" anchor="ctr" anchorCtr="0">
+            <a:normAutofit/>
+          </a:bodyPr>
+          <a:lstStyle/>
+          <a:p>
+            <a:pPr marL="0" lvl="0" indent="0" algn="l" rtl="0">
+              <a:lnSpc>
+                <a:spcPct val="90000"/>
+              </a:lnSpc>
+              <a:spcBef>
+                <a:spcPts val="0"/>
+              </a:spcBef>
+              <a:spcAft>
+                <a:spcPts val="0"/>
+              </a:spcAft>
+              <a:buClr>
+                <a:schemeClr val="dk1"/>
+              </a:buClr>
+              <a:buSzPts val="4400"/>
+              <a:buFont typeface="Malgun Gothic"/>
+              <a:buNone/>
+            </a:pPr>
+            <a:r>
+              <a:rPr lang="en-US"/>
+              <a:t>Table 명세</a:t>
+            </a:r>
+            <a:endParaRPr/>
+          </a:p>
+        </p:txBody>
+      </p:sp>
+      <p:pic>
+        <p:nvPicPr>
+          <p:cNvPr id="4" name="그림 3">
+            <a:extLst>
+              <a:ext uri="{FF2B5EF4-FFF2-40B4-BE49-F238E27FC236}">
+                <a16:creationId xmlns:a16="http://schemas.microsoft.com/office/drawing/2014/main" id="{AA4665D3-6B9B-44CE-8984-8DF9E904A8E7}"/>
+              </a:ext>
+            </a:extLst>
+          </p:cNvPr>
+          <p:cNvPicPr>
+            <a:picLocks noChangeAspect="1"/>
+          </p:cNvPicPr>
+          <p:nvPr/>
+        </p:nvPicPr>
+        <p:blipFill>
+          <a:blip r:embed="rId3"/>
+          <a:stretch>
+            <a:fillRect/>
+          </a:stretch>
+        </p:blipFill>
+        <p:spPr>
+          <a:xfrm>
+            <a:off x="0" y="1690688"/>
+            <a:ext cx="12241212" cy="3338512"/>
+          </a:xfrm>
+          <a:prstGeom prst="rect">
+            <a:avLst/>
+          </a:prstGeom>
+        </p:spPr>
+      </p:pic>
+    </p:spTree>
+    <p:extLst>
+      <p:ext uri="{BB962C8B-B14F-4D97-AF65-F5344CB8AC3E}">
+        <p14:creationId xmlns:p14="http://schemas.microsoft.com/office/powerpoint/2010/main" val="2563692288"/>
+      </p:ext>
+    </p:extLst>
+  </p:cSld>
+  <p:clrMapOvr>
+    <a:masterClrMapping/>
+  </p:clrMapOvr>
+</p:sld>
+</file>
+
+<file path=ppt/slides/slide34.xml><?xml version="1.0" encoding="utf-8"?>
+<p:sld xmlns:a="http://schemas.openxmlformats.org/drawingml/2006/main" xmlns:r="http://schemas.openxmlformats.org/officeDocument/2006/relationships" xmlns:p="http://schemas.openxmlformats.org/presentationml/2006/main">
+  <p:cSld>
+    <p:spTree>
+      <p:nvGrpSpPr>
+        <p:cNvPr id="1" name="Shape 132"/>
+        <p:cNvGrpSpPr/>
+        <p:nvPr/>
+      </p:nvGrpSpPr>
+      <p:grpSpPr>
+        <a:xfrm>
+          <a:off x="0" y="0"/>
+          <a:ext cx="0" cy="0"/>
+          <a:chOff x="0" y="0"/>
+          <a:chExt cx="0" cy="0"/>
+        </a:xfrm>
+      </p:grpSpPr>
+      <p:sp>
+        <p:nvSpPr>
+          <p:cNvPr id="133" name="Google Shape;133;p13"/>
+          <p:cNvSpPr txBox="1">
+            <a:spLocks noGrp="1"/>
+          </p:cNvSpPr>
+          <p:nvPr>
+            <p:ph type="title"/>
+          </p:nvPr>
+        </p:nvSpPr>
+        <p:spPr>
+          <a:xfrm>
+            <a:off x="838200" y="365125"/>
+            <a:ext cx="10515600" cy="1325563"/>
+          </a:xfrm>
+          <a:prstGeom prst="rect">
+            <a:avLst/>
+          </a:prstGeom>
+          <a:noFill/>
+          <a:ln>
+            <a:noFill/>
+          </a:ln>
+        </p:spPr>
+        <p:txBody>
+          <a:bodyPr spcFirstLastPara="1" wrap="square" lIns="91425" tIns="45700" rIns="91425" bIns="45700" anchor="ctr" anchorCtr="0">
+            <a:normAutofit/>
+          </a:bodyPr>
+          <a:lstStyle/>
+          <a:p>
+            <a:pPr marL="0" lvl="0" indent="0" algn="l" rtl="0">
+              <a:lnSpc>
+                <a:spcPct val="90000"/>
+              </a:lnSpc>
+              <a:spcBef>
+                <a:spcPts val="0"/>
+              </a:spcBef>
+              <a:spcAft>
+                <a:spcPts val="0"/>
+              </a:spcAft>
+              <a:buClr>
+                <a:schemeClr val="dk1"/>
+              </a:buClr>
+              <a:buSzPts val="4400"/>
+              <a:buFont typeface="Malgun Gothic"/>
+              <a:buNone/>
+            </a:pPr>
+            <a:r>
+              <a:rPr lang="en-US"/>
+              <a:t>Table 명세</a:t>
+            </a:r>
+            <a:endParaRPr/>
+          </a:p>
+        </p:txBody>
+      </p:sp>
+      <p:pic>
+        <p:nvPicPr>
+          <p:cNvPr id="4" name="그림 3">
+            <a:extLst>
+              <a:ext uri="{FF2B5EF4-FFF2-40B4-BE49-F238E27FC236}">
+                <a16:creationId xmlns:a16="http://schemas.microsoft.com/office/drawing/2014/main" id="{BCC615A1-1533-4E07-AC87-49BE8B467C2F}"/>
+              </a:ext>
+            </a:extLst>
+          </p:cNvPr>
+          <p:cNvPicPr>
+            <a:picLocks noChangeAspect="1"/>
+          </p:cNvPicPr>
+          <p:nvPr/>
+        </p:nvPicPr>
+        <p:blipFill>
+          <a:blip r:embed="rId3"/>
+          <a:stretch>
+            <a:fillRect/>
+          </a:stretch>
+        </p:blipFill>
+        <p:spPr>
+          <a:xfrm>
+            <a:off x="0" y="1387697"/>
+            <a:ext cx="12192000" cy="5251642"/>
+          </a:xfrm>
+          <a:prstGeom prst="rect">
+            <a:avLst/>
+          </a:prstGeom>
+        </p:spPr>
+      </p:pic>
+    </p:spTree>
+    <p:extLst>
+      <p:ext uri="{BB962C8B-B14F-4D97-AF65-F5344CB8AC3E}">
+        <p14:creationId xmlns:p14="http://schemas.microsoft.com/office/powerpoint/2010/main" val="1832878586"/>
+      </p:ext>
+    </p:extLst>
+  </p:cSld>
+  <p:clrMapOvr>
+    <a:masterClrMapping/>
+  </p:clrMapOvr>
+</p:sld>
+</file>
+
+<file path=ppt/slides/slide35.xml><?xml version="1.0" encoding="utf-8"?>
+<p:sld xmlns:a="http://schemas.openxmlformats.org/drawingml/2006/main" xmlns:r="http://schemas.openxmlformats.org/officeDocument/2006/relationships" xmlns:p="http://schemas.openxmlformats.org/presentationml/2006/main">
+  <p:cSld>
+    <p:spTree>
+      <p:nvGrpSpPr>
+        <p:cNvPr id="1" name="Shape 132"/>
+        <p:cNvGrpSpPr/>
+        <p:nvPr/>
+      </p:nvGrpSpPr>
+      <p:grpSpPr>
+        <a:xfrm>
+          <a:off x="0" y="0"/>
+          <a:ext cx="0" cy="0"/>
+          <a:chOff x="0" y="0"/>
+          <a:chExt cx="0" cy="0"/>
+        </a:xfrm>
+      </p:grpSpPr>
+      <p:sp>
+        <p:nvSpPr>
+          <p:cNvPr id="133" name="Google Shape;133;p13"/>
+          <p:cNvSpPr txBox="1">
+            <a:spLocks noGrp="1"/>
+          </p:cNvSpPr>
+          <p:nvPr>
+            <p:ph type="title"/>
+          </p:nvPr>
+        </p:nvSpPr>
+        <p:spPr>
+          <a:xfrm>
+            <a:off x="838200" y="365125"/>
+            <a:ext cx="10515600" cy="1325563"/>
+          </a:xfrm>
+          <a:prstGeom prst="rect">
+            <a:avLst/>
+          </a:prstGeom>
+          <a:noFill/>
+          <a:ln>
+            <a:noFill/>
+          </a:ln>
+        </p:spPr>
+        <p:txBody>
+          <a:bodyPr spcFirstLastPara="1" wrap="square" lIns="91425" tIns="45700" rIns="91425" bIns="45700" anchor="ctr" anchorCtr="0">
+            <a:normAutofit/>
+          </a:bodyPr>
+          <a:lstStyle/>
+          <a:p>
+            <a:pPr marL="0" lvl="0" indent="0" algn="l" rtl="0">
+              <a:lnSpc>
+                <a:spcPct val="90000"/>
+              </a:lnSpc>
+              <a:spcBef>
+                <a:spcPts val="0"/>
+              </a:spcBef>
+              <a:spcAft>
+                <a:spcPts val="0"/>
+              </a:spcAft>
+              <a:buClr>
+                <a:schemeClr val="dk1"/>
+              </a:buClr>
+              <a:buSzPts val="4400"/>
+              <a:buFont typeface="Malgun Gothic"/>
+              <a:buNone/>
+            </a:pPr>
+            <a:r>
+              <a:rPr lang="en-US"/>
+              <a:t>Table 명세</a:t>
+            </a:r>
+            <a:endParaRPr/>
+          </a:p>
+        </p:txBody>
+      </p:sp>
+      <p:pic>
+        <p:nvPicPr>
+          <p:cNvPr id="4" name="그림 3">
+            <a:extLst>
+              <a:ext uri="{FF2B5EF4-FFF2-40B4-BE49-F238E27FC236}">
+                <a16:creationId xmlns:a16="http://schemas.microsoft.com/office/drawing/2014/main" id="{37F66D35-C6E4-485E-A187-696058B9D583}"/>
+              </a:ext>
+            </a:extLst>
+          </p:cNvPr>
+          <p:cNvPicPr>
+            <a:picLocks noChangeAspect="1"/>
+          </p:cNvPicPr>
+          <p:nvPr/>
+        </p:nvPicPr>
+        <p:blipFill>
+          <a:blip r:embed="rId3"/>
+          <a:stretch>
+            <a:fillRect/>
+          </a:stretch>
+        </p:blipFill>
+        <p:spPr>
+          <a:xfrm>
+            <a:off x="0" y="1690688"/>
+            <a:ext cx="12192000" cy="5167312"/>
+          </a:xfrm>
+          <a:prstGeom prst="rect">
+            <a:avLst/>
+          </a:prstGeom>
+        </p:spPr>
+      </p:pic>
+    </p:spTree>
+    <p:extLst>
+      <p:ext uri="{BB962C8B-B14F-4D97-AF65-F5344CB8AC3E}">
+        <p14:creationId xmlns:p14="http://schemas.microsoft.com/office/powerpoint/2010/main" val="671014458"/>
+      </p:ext>
+    </p:extLst>
   </p:cSld>
   <p:clrMapOvr>
     <a:masterClrMapping/>

--- a/미니프로젝트계획서.pptx
+++ b/미니프로젝트계획서.pptx
@@ -280,7 +280,7 @@
       <p15:sldGuideLst xmlns:p15="http://schemas.microsoft.com/office/powerpoint/2012/main"/>
     </p:ext>
     <p:ext uri="GoogleSlidesCustomDataVersion2">
-      <go:slidesCustomData xmlns:go="http://customooxmlschemas.google.com/" xmlns:ahyp="http://schemas.microsoft.com/office/drawing/2018/hyperlinkcolor" xmlns:p15="http://schemas.microsoft.com/office/powerpoint/2012/main" xmlns:p14="http://schemas.microsoft.com/office/powerpoint/2010/main" xmlns:com="http://schemas.openxmlformats.org/drawingml/2006/compatibility" xmlns:pvml="urn:schemas-microsoft-com:office:powerpoint" xmlns:v="urn:schemas-microsoft-com:vml" xmlns:o="urn:schemas-microsoft-com:office:office" xmlns:dgm="http://schemas.openxmlformats.org/drawingml/2006/diagram" xmlns:c="http://schemas.openxmlformats.org/drawingml/2006/chart" xmlns:mv="urn:schemas-microsoft-com:mac:vml" xmlns:mc="http://schemas.openxmlformats.org/markup-compatibility/2006" xmlns="" r:id="rId38" roundtripDataSignature="AMtx7miDCxK2ZXgnnNZVs5wxL2S5y01F7A=="/>
+      <go:slidesCustomData xmlns="" xmlns:mc="http://schemas.openxmlformats.org/markup-compatibility/2006" xmlns:mv="urn:schemas-microsoft-com:mac:vml" xmlns:c="http://schemas.openxmlformats.org/drawingml/2006/chart" xmlns:dgm="http://schemas.openxmlformats.org/drawingml/2006/diagram" xmlns:o="urn:schemas-microsoft-com:office:office" xmlns:v="urn:schemas-microsoft-com:vml" xmlns:pvml="urn:schemas-microsoft-com:office:powerpoint" xmlns:com="http://schemas.openxmlformats.org/drawingml/2006/compatibility" xmlns:p14="http://schemas.microsoft.com/office/powerpoint/2010/main" xmlns:p15="http://schemas.microsoft.com/office/powerpoint/2012/main" xmlns:ahyp="http://schemas.microsoft.com/office/drawing/2018/hyperlinkcolor" xmlns:go="http://customooxmlschemas.google.com/" r:id="rId38" roundtripDataSignature="AMtx7miDCxK2ZXgnnNZVs5wxL2S5y01F7A=="/>
     </p:ext>
   </p:extLst>
 </p:presentation>
@@ -12615,36 +12615,6 @@
           </a:p>
         </p:txBody>
       </p:sp>
-      <p:pic>
-        <p:nvPicPr>
-          <p:cNvPr id="3" name="그림 2">
-            <a:extLst>
-              <a:ext uri="{FF2B5EF4-FFF2-40B4-BE49-F238E27FC236}">
-                <a16:creationId xmlns:a16="http://schemas.microsoft.com/office/drawing/2014/main" id="{587BA972-7621-4E2E-A2F3-781401E28E18}"/>
-              </a:ext>
-            </a:extLst>
-          </p:cNvPr>
-          <p:cNvPicPr>
-            <a:picLocks noChangeAspect="1"/>
-          </p:cNvPicPr>
-          <p:nvPr/>
-        </p:nvPicPr>
-        <p:blipFill>
-          <a:blip r:embed="rId3"/>
-          <a:stretch>
-            <a:fillRect/>
-          </a:stretch>
-        </p:blipFill>
-        <p:spPr>
-          <a:xfrm>
-            <a:off x="3229109" y="2557462"/>
-            <a:ext cx="2457450" cy="1743075"/>
-          </a:xfrm>
-          <a:prstGeom prst="rect">
-            <a:avLst/>
-          </a:prstGeom>
-        </p:spPr>
-      </p:pic>
     </p:spTree>
     <p:extLst>
       <p:ext uri="{BB962C8B-B14F-4D97-AF65-F5344CB8AC3E}">
@@ -14585,36 +14555,6 @@
           </a:p>
         </p:txBody>
       </p:sp>
-      <p:pic>
-        <p:nvPicPr>
-          <p:cNvPr id="3" name="그림 2">
-            <a:extLst>
-              <a:ext uri="{FF2B5EF4-FFF2-40B4-BE49-F238E27FC236}">
-                <a16:creationId xmlns:a16="http://schemas.microsoft.com/office/drawing/2014/main" id="{AF7EC444-576E-4A21-B777-D868B33C0B08}"/>
-              </a:ext>
-            </a:extLst>
-          </p:cNvPr>
-          <p:cNvPicPr>
-            <a:picLocks noChangeAspect="1"/>
-          </p:cNvPicPr>
-          <p:nvPr/>
-        </p:nvPicPr>
-        <p:blipFill>
-          <a:blip r:embed="rId3"/>
-          <a:stretch>
-            <a:fillRect/>
-          </a:stretch>
-        </p:blipFill>
-        <p:spPr>
-          <a:xfrm>
-            <a:off x="519806" y="453358"/>
-            <a:ext cx="7867650" cy="6334125"/>
-          </a:xfrm>
-          <a:prstGeom prst="rect">
-            <a:avLst/>
-          </a:prstGeom>
-        </p:spPr>
-      </p:pic>
     </p:spTree>
     <p:extLst>
       <p:ext uri="{BB962C8B-B14F-4D97-AF65-F5344CB8AC3E}">
@@ -40711,36 +40651,6 @@
           </a:p>
         </p:txBody>
       </p:sp>
-      <p:pic>
-        <p:nvPicPr>
-          <p:cNvPr id="3" name="그림 2">
-            <a:extLst>
-              <a:ext uri="{FF2B5EF4-FFF2-40B4-BE49-F238E27FC236}">
-                <a16:creationId xmlns:a16="http://schemas.microsoft.com/office/drawing/2014/main" id="{3FD21348-1A48-475C-ACB6-B224D4A4C565}"/>
-              </a:ext>
-            </a:extLst>
-          </p:cNvPr>
-          <p:cNvPicPr>
-            <a:picLocks noChangeAspect="1"/>
-          </p:cNvPicPr>
-          <p:nvPr/>
-        </p:nvPicPr>
-        <p:blipFill>
-          <a:blip r:embed="rId3"/>
-          <a:stretch>
-            <a:fillRect/>
-          </a:stretch>
-        </p:blipFill>
-        <p:spPr>
-          <a:xfrm>
-            <a:off x="564815" y="2055102"/>
-            <a:ext cx="7914443" cy="1468002"/>
-          </a:xfrm>
-          <a:prstGeom prst="rect">
-            <a:avLst/>
-          </a:prstGeom>
-        </p:spPr>
-      </p:pic>
     </p:spTree>
   </p:cSld>
   <p:clrMapOvr>
